--- a/K odevzdání/prezentace_raw.pptx
+++ b/K odevzdání/prezentace_raw.pptx
@@ -7,13 +7,16 @@
   <p:sldIdLst>
     <p:sldId id="256" r:id="rId2"/>
     <p:sldId id="257" r:id="rId3"/>
-    <p:sldId id="260" r:id="rId4"/>
-    <p:sldId id="258" r:id="rId5"/>
-    <p:sldId id="259" r:id="rId6"/>
-    <p:sldId id="261" r:id="rId7"/>
-    <p:sldId id="262" r:id="rId8"/>
-    <p:sldId id="263" r:id="rId9"/>
-    <p:sldId id="264" r:id="rId10"/>
+    <p:sldId id="265" r:id="rId4"/>
+    <p:sldId id="266" r:id="rId5"/>
+    <p:sldId id="267" r:id="rId6"/>
+    <p:sldId id="260" r:id="rId7"/>
+    <p:sldId id="258" r:id="rId8"/>
+    <p:sldId id="259" r:id="rId9"/>
+    <p:sldId id="261" r:id="rId10"/>
+    <p:sldId id="262" r:id="rId11"/>
+    <p:sldId id="263" r:id="rId12"/>
+    <p:sldId id="264" r:id="rId13"/>
   </p:sldIdLst>
   <p:sldSz cx="9144000" cy="6858000" type="screen4x3"/>
   <p:notesSz cx="6858000" cy="9144000"/>
@@ -309,7 +312,7 @@
           <a:p>
             <a:fld id="{4637D989-8E49-4FF8-A547-6566086D4233}" type="datetimeFigureOut">
               <a:rPr lang="cs-CZ" smtClean="0"/>
-              <a:t>14.12.2013</a:t>
+              <a:t>15.12.2013</a:t>
             </a:fld>
             <a:endParaRPr lang="cs-CZ"/>
           </a:p>
@@ -474,7 +477,7 @@
           <a:p>
             <a:fld id="{4637D989-8E49-4FF8-A547-6566086D4233}" type="datetimeFigureOut">
               <a:rPr lang="cs-CZ" smtClean="0"/>
-              <a:t>14.12.2013</a:t>
+              <a:t>15.12.2013</a:t>
             </a:fld>
             <a:endParaRPr lang="cs-CZ"/>
           </a:p>
@@ -649,7 +652,7 @@
           <a:p>
             <a:fld id="{4637D989-8E49-4FF8-A547-6566086D4233}" type="datetimeFigureOut">
               <a:rPr lang="cs-CZ" smtClean="0"/>
-              <a:t>14.12.2013</a:t>
+              <a:t>15.12.2013</a:t>
             </a:fld>
             <a:endParaRPr lang="cs-CZ"/>
           </a:p>
@@ -814,7 +817,7 @@
           <a:p>
             <a:fld id="{4637D989-8E49-4FF8-A547-6566086D4233}" type="datetimeFigureOut">
               <a:rPr lang="cs-CZ" smtClean="0"/>
-              <a:t>14.12.2013</a:t>
+              <a:t>15.12.2013</a:t>
             </a:fld>
             <a:endParaRPr lang="cs-CZ"/>
           </a:p>
@@ -1055,7 +1058,7 @@
           <a:p>
             <a:fld id="{4637D989-8E49-4FF8-A547-6566086D4233}" type="datetimeFigureOut">
               <a:rPr lang="cs-CZ" smtClean="0"/>
-              <a:t>14.12.2013</a:t>
+              <a:t>15.12.2013</a:t>
             </a:fld>
             <a:endParaRPr lang="cs-CZ"/>
           </a:p>
@@ -1338,7 +1341,7 @@
           <a:p>
             <a:fld id="{4637D989-8E49-4FF8-A547-6566086D4233}" type="datetimeFigureOut">
               <a:rPr lang="cs-CZ" smtClean="0"/>
-              <a:t>14.12.2013</a:t>
+              <a:t>15.12.2013</a:t>
             </a:fld>
             <a:endParaRPr lang="cs-CZ"/>
           </a:p>
@@ -1767,7 +1770,7 @@
           <a:p>
             <a:fld id="{4637D989-8E49-4FF8-A547-6566086D4233}" type="datetimeFigureOut">
               <a:rPr lang="cs-CZ" smtClean="0"/>
-              <a:t>14.12.2013</a:t>
+              <a:t>15.12.2013</a:t>
             </a:fld>
             <a:endParaRPr lang="cs-CZ"/>
           </a:p>
@@ -1880,7 +1883,7 @@
           <a:p>
             <a:fld id="{4637D989-8E49-4FF8-A547-6566086D4233}" type="datetimeFigureOut">
               <a:rPr lang="cs-CZ" smtClean="0"/>
-              <a:t>14.12.2013</a:t>
+              <a:t>15.12.2013</a:t>
             </a:fld>
             <a:endParaRPr lang="cs-CZ"/>
           </a:p>
@@ -1970,7 +1973,7 @@
           <a:p>
             <a:fld id="{4637D989-8E49-4FF8-A547-6566086D4233}" type="datetimeFigureOut">
               <a:rPr lang="cs-CZ" smtClean="0"/>
-              <a:t>14.12.2013</a:t>
+              <a:t>15.12.2013</a:t>
             </a:fld>
             <a:endParaRPr lang="cs-CZ"/>
           </a:p>
@@ -2159,7 +2162,7 @@
           <a:p>
             <a:fld id="{4637D989-8E49-4FF8-A547-6566086D4233}" type="datetimeFigureOut">
               <a:rPr lang="cs-CZ" smtClean="0"/>
-              <a:t>14.12.2013</a:t>
+              <a:t>15.12.2013</a:t>
             </a:fld>
             <a:endParaRPr lang="cs-CZ"/>
           </a:p>
@@ -2477,7 +2480,7 @@
           <a:p>
             <a:fld id="{4637D989-8E49-4FF8-A547-6566086D4233}" type="datetimeFigureOut">
               <a:rPr lang="cs-CZ" smtClean="0"/>
-              <a:t>14.12.2013</a:t>
+              <a:t>15.12.2013</a:t>
             </a:fld>
             <a:endParaRPr lang="cs-CZ"/>
           </a:p>
@@ -2856,7 +2859,7 @@
           <a:p>
             <a:fld id="{4637D989-8E49-4FF8-A547-6566086D4233}" type="datetimeFigureOut">
               <a:rPr lang="cs-CZ" smtClean="0"/>
-              <a:t>14.12.2013</a:t>
+              <a:t>15.12.2013</a:t>
             </a:fld>
             <a:endParaRPr lang="cs-CZ"/>
           </a:p>
@@ -3326,6 +3329,407 @@
 </p:sld>
 </file>
 
+<file path=ppt/slides/slide10.xml><?xml version="1.0" encoding="utf-8"?>
+<p:sld xmlns:a="http://schemas.openxmlformats.org/drawingml/2006/main" xmlns:r="http://schemas.openxmlformats.org/officeDocument/2006/relationships" xmlns:p="http://schemas.openxmlformats.org/presentationml/2006/main">
+  <p:cSld>
+    <p:spTree>
+      <p:nvGrpSpPr>
+        <p:cNvPr id="1" name=""/>
+        <p:cNvGrpSpPr/>
+        <p:nvPr/>
+      </p:nvGrpSpPr>
+      <p:grpSpPr>
+        <a:xfrm>
+          <a:off x="0" y="0"/>
+          <a:ext cx="0" cy="0"/>
+          <a:chOff x="0" y="0"/>
+          <a:chExt cx="0" cy="0"/>
+        </a:xfrm>
+      </p:grpSpPr>
+      <p:sp>
+        <p:nvSpPr>
+          <p:cNvPr id="3" name="Content Placeholder 2"/>
+          <p:cNvSpPr>
+            <a:spLocks noGrp="1"/>
+          </p:cNvSpPr>
+          <p:nvPr>
+            <p:ph idx="1"/>
+          </p:nvPr>
+        </p:nvSpPr>
+        <p:spPr/>
+        <p:txBody>
+          <a:bodyPr/>
+          <a:lstStyle/>
+          <a:p>
+            <a:r>
+              <a:rPr lang="cs-CZ" dirty="0" smtClean="0"/>
+              <a:t>Přehled dodavatelů zahrnující kontaktní a fakturační údaje</a:t>
+            </a:r>
+          </a:p>
+          <a:p>
+            <a:pPr lvl="1"/>
+            <a:r>
+              <a:rPr lang="cs-CZ" dirty="0" smtClean="0"/>
+              <a:t>Přidat dodavatele</a:t>
+            </a:r>
+          </a:p>
+          <a:p>
+            <a:pPr lvl="1"/>
+            <a:r>
+              <a:rPr lang="cs-CZ" dirty="0" smtClean="0"/>
+              <a:t>Odebrat dodavatele</a:t>
+            </a:r>
+          </a:p>
+          <a:p>
+            <a:pPr lvl="1"/>
+            <a:r>
+              <a:rPr lang="cs-CZ" dirty="0" smtClean="0"/>
+              <a:t>Upravit dodavatele</a:t>
+            </a:r>
+          </a:p>
+          <a:p>
+            <a:pPr lvl="1"/>
+            <a:r>
+              <a:rPr lang="cs-CZ" dirty="0" smtClean="0"/>
+              <a:t>Vyhledat dodavatele</a:t>
+            </a:r>
+            <a:endParaRPr lang="cs-CZ" dirty="0"/>
+          </a:p>
+        </p:txBody>
+      </p:sp>
+      <p:pic>
+        <p:nvPicPr>
+          <p:cNvPr id="4099" name="Picture 3" descr="C:\Users\Hanzik\Documents\RestauracePlus\Manuál\Uživatelský manuál\screenshots\Terminál\Editor dodavatelů.jpg"/>
+          <p:cNvPicPr>
+            <a:picLocks noChangeAspect="1" noChangeArrowheads="1"/>
+          </p:cNvPicPr>
+          <p:nvPr/>
+        </p:nvPicPr>
+        <p:blipFill>
+          <a:blip r:embed="rId2">
+            <a:extLst>
+              <a:ext uri="{28A0092B-C50C-407E-A947-70E740481C1C}">
+                <a14:useLocalDpi xmlns:a14="http://schemas.microsoft.com/office/drawing/2010/main" val="0"/>
+              </a:ext>
+            </a:extLst>
+          </a:blip>
+          <a:srcRect/>
+          <a:stretch>
+            <a:fillRect/>
+          </a:stretch>
+        </p:blipFill>
+        <p:spPr bwMode="auto">
+          <a:xfrm>
+            <a:off x="3744537" y="2636912"/>
+            <a:ext cx="3908167" cy="3399707"/>
+          </a:xfrm>
+          <a:prstGeom prst="rect">
+            <a:avLst/>
+          </a:prstGeom>
+          <a:noFill/>
+          <a:ln>
+            <a:solidFill>
+              <a:schemeClr val="tx1"/>
+            </a:solidFill>
+          </a:ln>
+          <a:extLst>
+            <a:ext uri="{909E8E84-426E-40DD-AFC4-6F175D3DCCD1}">
+              <a14:hiddenFill xmlns:a14="http://schemas.microsoft.com/office/drawing/2010/main">
+                <a:solidFill>
+                  <a:srgbClr val="FFFFFF"/>
+                </a:solidFill>
+              </a14:hiddenFill>
+            </a:ext>
+          </a:extLst>
+        </p:spPr>
+      </p:pic>
+      <p:sp>
+        <p:nvSpPr>
+          <p:cNvPr id="2" name="Title 1"/>
+          <p:cNvSpPr>
+            <a:spLocks noGrp="1"/>
+          </p:cNvSpPr>
+          <p:nvPr>
+            <p:ph type="title"/>
+          </p:nvPr>
+        </p:nvSpPr>
+        <p:spPr/>
+        <p:txBody>
+          <a:bodyPr/>
+          <a:lstStyle/>
+          <a:p>
+            <a:r>
+              <a:rPr lang="cs-CZ" sz="4200" dirty="0" smtClean="0"/>
+              <a:t>Správa dodavatelů</a:t>
+            </a:r>
+            <a:endParaRPr lang="cs-CZ" sz="4200" dirty="0"/>
+          </a:p>
+        </p:txBody>
+      </p:sp>
+      <p:pic>
+        <p:nvPicPr>
+          <p:cNvPr id="4098" name="Picture 2" descr="C:\Users\Hanzik\Documents\RestauracePlus\Manuál\Uživatelský manuál\screenshots\Terminál\Přidání dodavatele.jpg"/>
+          <p:cNvPicPr>
+            <a:picLocks noChangeAspect="1" noChangeArrowheads="1"/>
+          </p:cNvPicPr>
+          <p:nvPr/>
+        </p:nvPicPr>
+        <p:blipFill>
+          <a:blip r:embed="rId3">
+            <a:extLst>
+              <a:ext uri="{28A0092B-C50C-407E-A947-70E740481C1C}">
+                <a14:useLocalDpi xmlns:a14="http://schemas.microsoft.com/office/drawing/2010/main" val="0"/>
+              </a:ext>
+            </a:extLst>
+          </a:blip>
+          <a:srcRect/>
+          <a:stretch>
+            <a:fillRect/>
+          </a:stretch>
+        </p:blipFill>
+        <p:spPr bwMode="auto">
+          <a:xfrm>
+            <a:off x="4752649" y="3284983"/>
+            <a:ext cx="2286397" cy="2286397"/>
+          </a:xfrm>
+          <a:prstGeom prst="rect">
+            <a:avLst/>
+          </a:prstGeom>
+          <a:noFill/>
+          <a:extLst>
+            <a:ext uri="{909E8E84-426E-40DD-AFC4-6F175D3DCCD1}">
+              <a14:hiddenFill xmlns:a14="http://schemas.microsoft.com/office/drawing/2010/main">
+                <a:solidFill>
+                  <a:srgbClr val="FFFFFF"/>
+                </a:solidFill>
+              </a14:hiddenFill>
+            </a:ext>
+          </a:extLst>
+        </p:spPr>
+      </p:pic>
+      <p:sp>
+        <p:nvSpPr>
+          <p:cNvPr id="6" name="TextBox 5"/>
+          <p:cNvSpPr txBox="1"/>
+          <p:nvPr/>
+        </p:nvSpPr>
+        <p:spPr>
+          <a:xfrm>
+            <a:off x="3710182" y="6036619"/>
+            <a:ext cx="3456384" cy="338554"/>
+          </a:xfrm>
+          <a:prstGeom prst="rect">
+            <a:avLst/>
+          </a:prstGeom>
+          <a:noFill/>
+        </p:spPr>
+        <p:txBody>
+          <a:bodyPr wrap="square" rtlCol="0">
+            <a:spAutoFit/>
+          </a:bodyPr>
+          <a:lstStyle/>
+          <a:p>
+            <a:r>
+              <a:rPr lang="cs-CZ" sz="1600" i="1" dirty="0" smtClean="0"/>
+              <a:t>Vkládání nového dodavatele</a:t>
+            </a:r>
+            <a:endParaRPr lang="cs-CZ" sz="1600" i="1" dirty="0"/>
+          </a:p>
+        </p:txBody>
+      </p:sp>
+    </p:spTree>
+    <p:extLst>
+      <p:ext uri="{BB962C8B-B14F-4D97-AF65-F5344CB8AC3E}">
+        <p14:creationId xmlns:p14="http://schemas.microsoft.com/office/powerpoint/2010/main" val="1690137593"/>
+      </p:ext>
+    </p:extLst>
+  </p:cSld>
+  <p:clrMapOvr>
+    <a:masterClrMapping/>
+  </p:clrMapOvr>
+</p:sld>
+</file>
+
+<file path=ppt/slides/slide11.xml><?xml version="1.0" encoding="utf-8"?>
+<p:sld xmlns:a="http://schemas.openxmlformats.org/drawingml/2006/main" xmlns:r="http://schemas.openxmlformats.org/officeDocument/2006/relationships" xmlns:p="http://schemas.openxmlformats.org/presentationml/2006/main">
+  <p:cSld>
+    <p:spTree>
+      <p:nvGrpSpPr>
+        <p:cNvPr id="1" name=""/>
+        <p:cNvGrpSpPr/>
+        <p:nvPr/>
+      </p:nvGrpSpPr>
+      <p:grpSpPr>
+        <a:xfrm>
+          <a:off x="0" y="0"/>
+          <a:ext cx="0" cy="0"/>
+          <a:chOff x="0" y="0"/>
+          <a:chExt cx="0" cy="0"/>
+        </a:xfrm>
+      </p:grpSpPr>
+      <p:sp>
+        <p:nvSpPr>
+          <p:cNvPr id="2" name="Title 1"/>
+          <p:cNvSpPr>
+            <a:spLocks noGrp="1"/>
+          </p:cNvSpPr>
+          <p:nvPr>
+            <p:ph type="title"/>
+          </p:nvPr>
+        </p:nvSpPr>
+        <p:spPr/>
+        <p:txBody>
+          <a:bodyPr/>
+          <a:lstStyle/>
+          <a:p>
+            <a:r>
+              <a:rPr lang="cs-CZ" sz="4200" dirty="0" smtClean="0"/>
+              <a:t>Další funkce</a:t>
+            </a:r>
+            <a:endParaRPr lang="cs-CZ" sz="4200" dirty="0"/>
+          </a:p>
+        </p:txBody>
+      </p:sp>
+      <p:sp>
+        <p:nvSpPr>
+          <p:cNvPr id="3" name="Content Placeholder 2"/>
+          <p:cNvSpPr>
+            <a:spLocks noGrp="1"/>
+          </p:cNvSpPr>
+          <p:nvPr>
+            <p:ph idx="1"/>
+          </p:nvPr>
+        </p:nvSpPr>
+        <p:spPr/>
+        <p:txBody>
+          <a:bodyPr/>
+          <a:lstStyle/>
+          <a:p>
+            <a:r>
+              <a:rPr lang="cs-CZ" dirty="0" smtClean="0"/>
+              <a:t>Hodnocení restaurace</a:t>
+            </a:r>
+          </a:p>
+          <a:p>
+            <a:pPr lvl="1"/>
+            <a:r>
+              <a:rPr lang="cs-CZ" dirty="0" smtClean="0"/>
+              <a:t>Zákazníci budou moci hodnotit různé aspekty podniku</a:t>
+            </a:r>
+          </a:p>
+          <a:p>
+            <a:pPr lvl="1"/>
+            <a:endParaRPr lang="cs-CZ" dirty="0"/>
+          </a:p>
+          <a:p>
+            <a:r>
+              <a:rPr lang="cs-CZ" dirty="0" smtClean="0"/>
+              <a:t>Přehled směn pro zaměstnance</a:t>
+            </a:r>
+          </a:p>
+          <a:p>
+            <a:endParaRPr lang="cs-CZ" dirty="0"/>
+          </a:p>
+          <a:p>
+            <a:r>
+              <a:rPr lang="cs-CZ" dirty="0" smtClean="0"/>
+              <a:t>Inventární systém – sklad, kuchyně</a:t>
+            </a:r>
+          </a:p>
+        </p:txBody>
+      </p:sp>
+    </p:spTree>
+    <p:extLst>
+      <p:ext uri="{BB962C8B-B14F-4D97-AF65-F5344CB8AC3E}">
+        <p14:creationId xmlns:p14="http://schemas.microsoft.com/office/powerpoint/2010/main" val="1632286648"/>
+      </p:ext>
+    </p:extLst>
+  </p:cSld>
+  <p:clrMapOvr>
+    <a:masterClrMapping/>
+  </p:clrMapOvr>
+</p:sld>
+</file>
+
+<file path=ppt/slides/slide12.xml><?xml version="1.0" encoding="utf-8"?>
+<p:sld xmlns:a="http://schemas.openxmlformats.org/drawingml/2006/main" xmlns:r="http://schemas.openxmlformats.org/officeDocument/2006/relationships" xmlns:p="http://schemas.openxmlformats.org/presentationml/2006/main">
+  <p:cSld>
+    <p:spTree>
+      <p:nvGrpSpPr>
+        <p:cNvPr id="1" name=""/>
+        <p:cNvGrpSpPr/>
+        <p:nvPr/>
+      </p:nvGrpSpPr>
+      <p:grpSpPr>
+        <a:xfrm>
+          <a:off x="0" y="0"/>
+          <a:ext cx="0" cy="0"/>
+          <a:chOff x="0" y="0"/>
+          <a:chExt cx="0" cy="0"/>
+        </a:xfrm>
+      </p:grpSpPr>
+      <p:sp>
+        <p:nvSpPr>
+          <p:cNvPr id="3" name="Title 1"/>
+          <p:cNvSpPr txBox="1">
+            <a:spLocks/>
+          </p:cNvSpPr>
+          <p:nvPr/>
+        </p:nvSpPr>
+        <p:spPr>
+          <a:xfrm>
+            <a:off x="467544" y="2636912"/>
+            <a:ext cx="7620000" cy="1143000"/>
+          </a:xfrm>
+          <a:prstGeom prst="rect">
+            <a:avLst/>
+          </a:prstGeom>
+        </p:spPr>
+        <p:txBody>
+          <a:bodyPr vert="horz" lIns="91440" tIns="45720" rIns="91440" bIns="45720" rtlCol="0" anchor="t">
+            <a:noAutofit/>
+          </a:bodyPr>
+          <a:lstStyle>
+            <a:lvl1pPr algn="l" defTabSz="914400" rtl="0" eaLnBrk="1" latinLnBrk="0" hangingPunct="1">
+              <a:spcBef>
+                <a:spcPct val="0"/>
+              </a:spcBef>
+              <a:buNone/>
+              <a:defRPr sz="3600" b="0" kern="1200" cap="all" spc="-100" baseline="0">
+                <a:ln>
+                  <a:noFill/>
+                </a:ln>
+                <a:solidFill>
+                  <a:schemeClr val="tx2"/>
+                </a:solidFill>
+                <a:effectLst/>
+                <a:latin typeface="+mj-lt"/>
+                <a:ea typeface="+mj-ea"/>
+                <a:cs typeface="+mj-cs"/>
+              </a:defRPr>
+            </a:lvl1pPr>
+          </a:lstStyle>
+          <a:p>
+            <a:r>
+              <a:rPr lang="cs-CZ" dirty="0"/>
+              <a:t>Děkujeme za pozornost</a:t>
+            </a:r>
+          </a:p>
+        </p:txBody>
+      </p:sp>
+    </p:spTree>
+    <p:extLst>
+      <p:ext uri="{BB962C8B-B14F-4D97-AF65-F5344CB8AC3E}">
+        <p14:creationId xmlns:p14="http://schemas.microsoft.com/office/powerpoint/2010/main" val="1799890444"/>
+      </p:ext>
+    </p:extLst>
+  </p:cSld>
+  <p:clrMapOvr>
+    <a:masterClrMapping/>
+  </p:clrMapOvr>
+</p:sld>
+</file>
+
 <file path=ppt/slides/slide2.xml><?xml version="1.0" encoding="utf-8"?>
 <p:sld xmlns:a="http://schemas.openxmlformats.org/drawingml/2006/main" xmlns:r="http://schemas.openxmlformats.org/officeDocument/2006/relationships" xmlns:p="http://schemas.openxmlformats.org/presentationml/2006/main">
   <p:cSld>
@@ -3493,6 +3897,301 @@
           <a:lstStyle/>
           <a:p>
             <a:r>
+              <a:rPr lang="cs-CZ" dirty="0" smtClean="0"/>
+              <a:t>Nasazení</a:t>
+            </a:r>
+            <a:endParaRPr lang="cs-CZ" dirty="0"/>
+          </a:p>
+        </p:txBody>
+      </p:sp>
+      <p:sp>
+        <p:nvSpPr>
+          <p:cNvPr id="3" name="Content Placeholder 2"/>
+          <p:cNvSpPr>
+            <a:spLocks noGrp="1"/>
+          </p:cNvSpPr>
+          <p:nvPr>
+            <p:ph idx="1"/>
+          </p:nvPr>
+        </p:nvSpPr>
+        <p:spPr/>
+        <p:txBody>
+          <a:bodyPr/>
+          <a:lstStyle/>
+          <a:p>
+            <a:r>
+              <a:rPr lang="cs-CZ" dirty="0" smtClean="0"/>
+              <a:t>Hlavní server</a:t>
+            </a:r>
+          </a:p>
+          <a:p>
+            <a:pPr lvl="1"/>
+            <a:r>
+              <a:rPr lang="cs-CZ" dirty="0" smtClean="0"/>
+              <a:t>Synchronizace dat mezi terminály</a:t>
+            </a:r>
+          </a:p>
+          <a:p>
+            <a:pPr lvl="1"/>
+            <a:r>
+              <a:rPr lang="cs-CZ" dirty="0" smtClean="0"/>
+              <a:t>Databáze</a:t>
+            </a:r>
+          </a:p>
+          <a:p>
+            <a:r>
+              <a:rPr lang="cs-CZ" dirty="0" smtClean="0"/>
+              <a:t>Terminály</a:t>
+            </a:r>
+          </a:p>
+          <a:p>
+            <a:pPr lvl="1"/>
+            <a:r>
+              <a:rPr lang="cs-CZ" dirty="0" smtClean="0"/>
+              <a:t>Pracovní zařízení pro zaměstnance</a:t>
+            </a:r>
+          </a:p>
+          <a:p>
+            <a:r>
+              <a:rPr lang="cs-CZ" dirty="0" smtClean="0"/>
+              <a:t>Manažerský PC</a:t>
+            </a:r>
+            <a:endParaRPr lang="cs-CZ" dirty="0"/>
+          </a:p>
+          <a:p>
+            <a:pPr lvl="1"/>
+            <a:endParaRPr lang="cs-CZ" dirty="0" smtClean="0"/>
+          </a:p>
+        </p:txBody>
+      </p:sp>
+    </p:spTree>
+    <p:extLst>
+      <p:ext uri="{BB962C8B-B14F-4D97-AF65-F5344CB8AC3E}">
+        <p14:creationId xmlns:p14="http://schemas.microsoft.com/office/powerpoint/2010/main" val="242412473"/>
+      </p:ext>
+    </p:extLst>
+  </p:cSld>
+  <p:clrMapOvr>
+    <a:masterClrMapping/>
+  </p:clrMapOvr>
+</p:sld>
+</file>
+
+<file path=ppt/slides/slide4.xml><?xml version="1.0" encoding="utf-8"?>
+<p:sld xmlns:a="http://schemas.openxmlformats.org/drawingml/2006/main" xmlns:r="http://schemas.openxmlformats.org/officeDocument/2006/relationships" xmlns:p="http://schemas.openxmlformats.org/presentationml/2006/main">
+  <p:cSld>
+    <p:spTree>
+      <p:nvGrpSpPr>
+        <p:cNvPr id="1" name=""/>
+        <p:cNvGrpSpPr/>
+        <p:nvPr/>
+      </p:nvGrpSpPr>
+      <p:grpSpPr>
+        <a:xfrm>
+          <a:off x="0" y="0"/>
+          <a:ext cx="0" cy="0"/>
+          <a:chOff x="0" y="0"/>
+          <a:chExt cx="0" cy="0"/>
+        </a:xfrm>
+      </p:grpSpPr>
+      <p:pic>
+        <p:nvPicPr>
+          <p:cNvPr id="2051" name="Picture 3"/>
+          <p:cNvPicPr>
+            <a:picLocks noChangeAspect="1" noChangeArrowheads="1"/>
+          </p:cNvPicPr>
+          <p:nvPr/>
+        </p:nvPicPr>
+        <p:blipFill>
+          <a:blip r:embed="rId2">
+            <a:extLst>
+              <a:ext uri="{28A0092B-C50C-407E-A947-70E740481C1C}">
+                <a14:useLocalDpi xmlns:a14="http://schemas.microsoft.com/office/drawing/2010/main" val="0"/>
+              </a:ext>
+            </a:extLst>
+          </a:blip>
+          <a:srcRect/>
+          <a:stretch>
+            <a:fillRect/>
+          </a:stretch>
+        </p:blipFill>
+        <p:spPr bwMode="auto">
+          <a:xfrm>
+            <a:off x="1763688" y="206992"/>
+            <a:ext cx="4608512" cy="6269721"/>
+          </a:xfrm>
+          <a:prstGeom prst="rect">
+            <a:avLst/>
+          </a:prstGeom>
+          <a:noFill/>
+          <a:ln>
+            <a:noFill/>
+          </a:ln>
+          <a:effectLst/>
+          <a:extLst>
+            <a:ext uri="{909E8E84-426E-40DD-AFC4-6F175D3DCCD1}">
+              <a14:hiddenFill xmlns:a14="http://schemas.microsoft.com/office/drawing/2010/main">
+                <a:solidFill>
+                  <a:schemeClr val="accent1"/>
+                </a:solidFill>
+              </a14:hiddenFill>
+            </a:ext>
+            <a:ext uri="{91240B29-F687-4F45-9708-019B960494DF}">
+              <a14:hiddenLine xmlns:a14="http://schemas.microsoft.com/office/drawing/2010/main" w="9525">
+                <a:solidFill>
+                  <a:schemeClr val="tx1"/>
+                </a:solidFill>
+                <a:miter lim="800000"/>
+                <a:headEnd/>
+                <a:tailEnd/>
+              </a14:hiddenLine>
+            </a:ext>
+            <a:ext uri="{AF507438-7753-43E0-B8FC-AC1667EBCBE1}">
+              <a14:hiddenEffects xmlns:a14="http://schemas.microsoft.com/office/drawing/2010/main">
+                <a:effectLst>
+                  <a:outerShdw dist="35921" dir="2700000" algn="ctr" rotWithShape="0">
+                    <a:schemeClr val="bg2"/>
+                  </a:outerShdw>
+                </a:effectLst>
+              </a14:hiddenEffects>
+            </a:ext>
+          </a:extLst>
+        </p:spPr>
+      </p:pic>
+      <p:sp>
+        <p:nvSpPr>
+          <p:cNvPr id="7" name="TextBox 6"/>
+          <p:cNvSpPr txBox="1"/>
+          <p:nvPr/>
+        </p:nvSpPr>
+        <p:spPr>
+          <a:xfrm>
+            <a:off x="3203848" y="6442101"/>
+            <a:ext cx="3456384" cy="338554"/>
+          </a:xfrm>
+          <a:prstGeom prst="rect">
+            <a:avLst/>
+          </a:prstGeom>
+          <a:noFill/>
+        </p:spPr>
+        <p:txBody>
+          <a:bodyPr wrap="square" rtlCol="0">
+            <a:spAutoFit/>
+          </a:bodyPr>
+          <a:lstStyle/>
+          <a:p>
+            <a:r>
+              <a:rPr lang="cs-CZ" sz="1600" i="1" dirty="0" smtClean="0"/>
+              <a:t>Diagram nasazení</a:t>
+            </a:r>
+            <a:endParaRPr lang="cs-CZ" sz="1600" i="1" dirty="0"/>
+          </a:p>
+        </p:txBody>
+      </p:sp>
+    </p:spTree>
+    <p:extLst>
+      <p:ext uri="{BB962C8B-B14F-4D97-AF65-F5344CB8AC3E}">
+        <p14:creationId xmlns:p14="http://schemas.microsoft.com/office/powerpoint/2010/main" val="4140857131"/>
+      </p:ext>
+    </p:extLst>
+  </p:cSld>
+  <p:clrMapOvr>
+    <a:masterClrMapping/>
+  </p:clrMapOvr>
+</p:sld>
+</file>
+
+<file path=ppt/slides/slide5.xml><?xml version="1.0" encoding="utf-8"?>
+<p:sld xmlns:a="http://schemas.openxmlformats.org/drawingml/2006/main" xmlns:r="http://schemas.openxmlformats.org/officeDocument/2006/relationships" xmlns:p="http://schemas.openxmlformats.org/presentationml/2006/main">
+  <p:cSld>
+    <p:spTree>
+      <p:nvGrpSpPr>
+        <p:cNvPr id="1" name=""/>
+        <p:cNvGrpSpPr/>
+        <p:nvPr/>
+      </p:nvGrpSpPr>
+      <p:grpSpPr>
+        <a:xfrm>
+          <a:off x="0" y="0"/>
+          <a:ext cx="0" cy="0"/>
+          <a:chOff x="0" y="0"/>
+          <a:chExt cx="0" cy="0"/>
+        </a:xfrm>
+      </p:grpSpPr>
+      <p:sp>
+        <p:nvSpPr>
+          <p:cNvPr id="2" name="Title 1"/>
+          <p:cNvSpPr>
+            <a:spLocks noGrp="1"/>
+          </p:cNvSpPr>
+          <p:nvPr>
+            <p:ph type="title"/>
+          </p:nvPr>
+        </p:nvSpPr>
+        <p:spPr>
+          <a:xfrm>
+            <a:off x="467544" y="2636912"/>
+            <a:ext cx="7620000" cy="1143000"/>
+          </a:xfrm>
+        </p:spPr>
+        <p:txBody>
+          <a:bodyPr/>
+          <a:lstStyle/>
+          <a:p>
+            <a:r>
+              <a:rPr lang="cs-CZ" dirty="0" smtClean="0"/>
+              <a:t>Implementace</a:t>
+            </a:r>
+            <a:endParaRPr lang="cs-CZ" dirty="0"/>
+          </a:p>
+        </p:txBody>
+      </p:sp>
+    </p:spTree>
+    <p:extLst>
+      <p:ext uri="{BB962C8B-B14F-4D97-AF65-F5344CB8AC3E}">
+        <p14:creationId xmlns:p14="http://schemas.microsoft.com/office/powerpoint/2010/main" val="3304282694"/>
+      </p:ext>
+    </p:extLst>
+  </p:cSld>
+  <p:clrMapOvr>
+    <a:masterClrMapping/>
+  </p:clrMapOvr>
+</p:sld>
+</file>
+
+<file path=ppt/slides/slide6.xml><?xml version="1.0" encoding="utf-8"?>
+<p:sld xmlns:a="http://schemas.openxmlformats.org/drawingml/2006/main" xmlns:r="http://schemas.openxmlformats.org/officeDocument/2006/relationships" xmlns:p="http://schemas.openxmlformats.org/presentationml/2006/main">
+  <p:cSld>
+    <p:spTree>
+      <p:nvGrpSpPr>
+        <p:cNvPr id="1" name=""/>
+        <p:cNvGrpSpPr/>
+        <p:nvPr/>
+      </p:nvGrpSpPr>
+      <p:grpSpPr>
+        <a:xfrm>
+          <a:off x="0" y="0"/>
+          <a:ext cx="0" cy="0"/>
+          <a:chOff x="0" y="0"/>
+          <a:chExt cx="0" cy="0"/>
+        </a:xfrm>
+      </p:grpSpPr>
+      <p:sp>
+        <p:nvSpPr>
+          <p:cNvPr id="2" name="Title 1"/>
+          <p:cNvSpPr>
+            <a:spLocks noGrp="1"/>
+          </p:cNvSpPr>
+          <p:nvPr>
+            <p:ph type="title"/>
+          </p:nvPr>
+        </p:nvSpPr>
+        <p:spPr/>
+        <p:txBody>
+          <a:bodyPr/>
+          <a:lstStyle/>
+          <a:p>
+            <a:r>
               <a:rPr lang="cs-CZ" sz="4200" dirty="0"/>
               <a:t>Správa objednávek</a:t>
             </a:r>
@@ -3556,7 +4255,7 @@
 </p:sld>
 </file>
 
-<file path=ppt/slides/slide4.xml><?xml version="1.0" encoding="utf-8"?>
+<file path=ppt/slides/slide7.xml><?xml version="1.0" encoding="utf-8"?>
 <p:sld xmlns:a="http://schemas.openxmlformats.org/drawingml/2006/main" xmlns:r="http://schemas.openxmlformats.org/officeDocument/2006/relationships" xmlns:p="http://schemas.openxmlformats.org/presentationml/2006/main">
   <p:cSld>
     <p:spTree>
@@ -3955,7 +4654,7 @@
 </p:sld>
 </file>
 
-<file path=ppt/slides/slide5.xml><?xml version="1.0" encoding="utf-8"?>
+<file path=ppt/slides/slide8.xml><?xml version="1.0" encoding="utf-8"?>
 <p:sld xmlns:a="http://schemas.openxmlformats.org/drawingml/2006/main" xmlns:r="http://schemas.openxmlformats.org/officeDocument/2006/relationships" xmlns:p="http://schemas.openxmlformats.org/presentationml/2006/main">
   <p:cSld>
     <p:spTree>
@@ -4174,7 +4873,7 @@
 </p:sld>
 </file>
 
-<file path=ppt/slides/slide6.xml><?xml version="1.0" encoding="utf-8"?>
+<file path=ppt/slides/slide9.xml><?xml version="1.0" encoding="utf-8"?>
 <p:sld xmlns:a="http://schemas.openxmlformats.org/drawingml/2006/main" xmlns:r="http://schemas.openxmlformats.org/officeDocument/2006/relationships" xmlns:p="http://schemas.openxmlformats.org/presentationml/2006/main">
   <p:cSld>
     <p:spTree>
@@ -4388,386 +5087,6 @@
     <p:extLst>
       <p:ext uri="{BB962C8B-B14F-4D97-AF65-F5344CB8AC3E}">
         <p14:creationId xmlns:p14="http://schemas.microsoft.com/office/powerpoint/2010/main" val="3235794996"/>
-      </p:ext>
-    </p:extLst>
-  </p:cSld>
-  <p:clrMapOvr>
-    <a:masterClrMapping/>
-  </p:clrMapOvr>
-</p:sld>
-</file>
-
-<file path=ppt/slides/slide7.xml><?xml version="1.0" encoding="utf-8"?>
-<p:sld xmlns:a="http://schemas.openxmlformats.org/drawingml/2006/main" xmlns:r="http://schemas.openxmlformats.org/officeDocument/2006/relationships" xmlns:p="http://schemas.openxmlformats.org/presentationml/2006/main">
-  <p:cSld>
-    <p:spTree>
-      <p:nvGrpSpPr>
-        <p:cNvPr id="1" name=""/>
-        <p:cNvGrpSpPr/>
-        <p:nvPr/>
-      </p:nvGrpSpPr>
-      <p:grpSpPr>
-        <a:xfrm>
-          <a:off x="0" y="0"/>
-          <a:ext cx="0" cy="0"/>
-          <a:chOff x="0" y="0"/>
-          <a:chExt cx="0" cy="0"/>
-        </a:xfrm>
-      </p:grpSpPr>
-      <p:sp>
-        <p:nvSpPr>
-          <p:cNvPr id="3" name="Content Placeholder 2"/>
-          <p:cNvSpPr>
-            <a:spLocks noGrp="1"/>
-          </p:cNvSpPr>
-          <p:nvPr>
-            <p:ph idx="1"/>
-          </p:nvPr>
-        </p:nvSpPr>
-        <p:spPr/>
-        <p:txBody>
-          <a:bodyPr/>
-          <a:lstStyle/>
-          <a:p>
-            <a:r>
-              <a:rPr lang="cs-CZ" dirty="0" smtClean="0"/>
-              <a:t>Přehled dodavatelů zahrnující kontaktní a fakturační údaje</a:t>
-            </a:r>
-          </a:p>
-          <a:p>
-            <a:pPr lvl="1"/>
-            <a:r>
-              <a:rPr lang="cs-CZ" dirty="0" smtClean="0"/>
-              <a:t>Přidat dodavatele</a:t>
-            </a:r>
-          </a:p>
-          <a:p>
-            <a:pPr lvl="1"/>
-            <a:r>
-              <a:rPr lang="cs-CZ" dirty="0" smtClean="0"/>
-              <a:t>Odebrat dodavatele</a:t>
-            </a:r>
-          </a:p>
-          <a:p>
-            <a:pPr lvl="1"/>
-            <a:r>
-              <a:rPr lang="cs-CZ" dirty="0" smtClean="0"/>
-              <a:t>Upravit dodavatele</a:t>
-            </a:r>
-          </a:p>
-          <a:p>
-            <a:pPr lvl="1"/>
-            <a:r>
-              <a:rPr lang="cs-CZ" dirty="0" smtClean="0"/>
-              <a:t>Vyhledat dodavatele</a:t>
-            </a:r>
-            <a:endParaRPr lang="cs-CZ" dirty="0"/>
-          </a:p>
-        </p:txBody>
-      </p:sp>
-      <p:pic>
-        <p:nvPicPr>
-          <p:cNvPr id="4099" name="Picture 3" descr="C:\Users\Hanzik\Documents\RestauracePlus\Manuál\Uživatelský manuál\screenshots\Terminál\Editor dodavatelů.jpg"/>
-          <p:cNvPicPr>
-            <a:picLocks noChangeAspect="1" noChangeArrowheads="1"/>
-          </p:cNvPicPr>
-          <p:nvPr/>
-        </p:nvPicPr>
-        <p:blipFill>
-          <a:blip r:embed="rId2">
-            <a:extLst>
-              <a:ext uri="{28A0092B-C50C-407E-A947-70E740481C1C}">
-                <a14:useLocalDpi xmlns:a14="http://schemas.microsoft.com/office/drawing/2010/main" val="0"/>
-              </a:ext>
-            </a:extLst>
-          </a:blip>
-          <a:srcRect/>
-          <a:stretch>
-            <a:fillRect/>
-          </a:stretch>
-        </p:blipFill>
-        <p:spPr bwMode="auto">
-          <a:xfrm>
-            <a:off x="3744537" y="2636912"/>
-            <a:ext cx="3908167" cy="3399707"/>
-          </a:xfrm>
-          <a:prstGeom prst="rect">
-            <a:avLst/>
-          </a:prstGeom>
-          <a:noFill/>
-          <a:ln>
-            <a:solidFill>
-              <a:schemeClr val="tx1"/>
-            </a:solidFill>
-          </a:ln>
-          <a:extLst>
-            <a:ext uri="{909E8E84-426E-40DD-AFC4-6F175D3DCCD1}">
-              <a14:hiddenFill xmlns:a14="http://schemas.microsoft.com/office/drawing/2010/main">
-                <a:solidFill>
-                  <a:srgbClr val="FFFFFF"/>
-                </a:solidFill>
-              </a14:hiddenFill>
-            </a:ext>
-          </a:extLst>
-        </p:spPr>
-      </p:pic>
-      <p:sp>
-        <p:nvSpPr>
-          <p:cNvPr id="2" name="Title 1"/>
-          <p:cNvSpPr>
-            <a:spLocks noGrp="1"/>
-          </p:cNvSpPr>
-          <p:nvPr>
-            <p:ph type="title"/>
-          </p:nvPr>
-        </p:nvSpPr>
-        <p:spPr/>
-        <p:txBody>
-          <a:bodyPr/>
-          <a:lstStyle/>
-          <a:p>
-            <a:r>
-              <a:rPr lang="cs-CZ" sz="4200" dirty="0" smtClean="0"/>
-              <a:t>Správa dodavatelů</a:t>
-            </a:r>
-            <a:endParaRPr lang="cs-CZ" sz="4200" dirty="0"/>
-          </a:p>
-        </p:txBody>
-      </p:sp>
-      <p:pic>
-        <p:nvPicPr>
-          <p:cNvPr id="4098" name="Picture 2" descr="C:\Users\Hanzik\Documents\RestauracePlus\Manuál\Uživatelský manuál\screenshots\Terminál\Přidání dodavatele.jpg"/>
-          <p:cNvPicPr>
-            <a:picLocks noChangeAspect="1" noChangeArrowheads="1"/>
-          </p:cNvPicPr>
-          <p:nvPr/>
-        </p:nvPicPr>
-        <p:blipFill>
-          <a:blip r:embed="rId3">
-            <a:extLst>
-              <a:ext uri="{28A0092B-C50C-407E-A947-70E740481C1C}">
-                <a14:useLocalDpi xmlns:a14="http://schemas.microsoft.com/office/drawing/2010/main" val="0"/>
-              </a:ext>
-            </a:extLst>
-          </a:blip>
-          <a:srcRect/>
-          <a:stretch>
-            <a:fillRect/>
-          </a:stretch>
-        </p:blipFill>
-        <p:spPr bwMode="auto">
-          <a:xfrm>
-            <a:off x="4752649" y="3284983"/>
-            <a:ext cx="2286397" cy="2286397"/>
-          </a:xfrm>
-          <a:prstGeom prst="rect">
-            <a:avLst/>
-          </a:prstGeom>
-          <a:noFill/>
-          <a:extLst>
-            <a:ext uri="{909E8E84-426E-40DD-AFC4-6F175D3DCCD1}">
-              <a14:hiddenFill xmlns:a14="http://schemas.microsoft.com/office/drawing/2010/main">
-                <a:solidFill>
-                  <a:srgbClr val="FFFFFF"/>
-                </a:solidFill>
-              </a14:hiddenFill>
-            </a:ext>
-          </a:extLst>
-        </p:spPr>
-      </p:pic>
-      <p:sp>
-        <p:nvSpPr>
-          <p:cNvPr id="6" name="TextBox 5"/>
-          <p:cNvSpPr txBox="1"/>
-          <p:nvPr/>
-        </p:nvSpPr>
-        <p:spPr>
-          <a:xfrm>
-            <a:off x="3710182" y="6036619"/>
-            <a:ext cx="3456384" cy="338554"/>
-          </a:xfrm>
-          <a:prstGeom prst="rect">
-            <a:avLst/>
-          </a:prstGeom>
-          <a:noFill/>
-        </p:spPr>
-        <p:txBody>
-          <a:bodyPr wrap="square" rtlCol="0">
-            <a:spAutoFit/>
-          </a:bodyPr>
-          <a:lstStyle/>
-          <a:p>
-            <a:r>
-              <a:rPr lang="cs-CZ" sz="1600" i="1" dirty="0" smtClean="0"/>
-              <a:t>Vkládání nového dodavatele</a:t>
-            </a:r>
-            <a:endParaRPr lang="cs-CZ" sz="1600" i="1" dirty="0"/>
-          </a:p>
-        </p:txBody>
-      </p:sp>
-    </p:spTree>
-    <p:extLst>
-      <p:ext uri="{BB962C8B-B14F-4D97-AF65-F5344CB8AC3E}">
-        <p14:creationId xmlns:p14="http://schemas.microsoft.com/office/powerpoint/2010/main" val="1690137593"/>
-      </p:ext>
-    </p:extLst>
-  </p:cSld>
-  <p:clrMapOvr>
-    <a:masterClrMapping/>
-  </p:clrMapOvr>
-</p:sld>
-</file>
-
-<file path=ppt/slides/slide8.xml><?xml version="1.0" encoding="utf-8"?>
-<p:sld xmlns:a="http://schemas.openxmlformats.org/drawingml/2006/main" xmlns:r="http://schemas.openxmlformats.org/officeDocument/2006/relationships" xmlns:p="http://schemas.openxmlformats.org/presentationml/2006/main">
-  <p:cSld>
-    <p:spTree>
-      <p:nvGrpSpPr>
-        <p:cNvPr id="1" name=""/>
-        <p:cNvGrpSpPr/>
-        <p:nvPr/>
-      </p:nvGrpSpPr>
-      <p:grpSpPr>
-        <a:xfrm>
-          <a:off x="0" y="0"/>
-          <a:ext cx="0" cy="0"/>
-          <a:chOff x="0" y="0"/>
-          <a:chExt cx="0" cy="0"/>
-        </a:xfrm>
-      </p:grpSpPr>
-      <p:sp>
-        <p:nvSpPr>
-          <p:cNvPr id="2" name="Title 1"/>
-          <p:cNvSpPr>
-            <a:spLocks noGrp="1"/>
-          </p:cNvSpPr>
-          <p:nvPr>
-            <p:ph type="title"/>
-          </p:nvPr>
-        </p:nvSpPr>
-        <p:spPr/>
-        <p:txBody>
-          <a:bodyPr/>
-          <a:lstStyle/>
-          <a:p>
-            <a:r>
-              <a:rPr lang="cs-CZ" sz="4200" dirty="0" smtClean="0"/>
-              <a:t>Další funkce</a:t>
-            </a:r>
-            <a:endParaRPr lang="cs-CZ" sz="4200" dirty="0"/>
-          </a:p>
-        </p:txBody>
-      </p:sp>
-      <p:sp>
-        <p:nvSpPr>
-          <p:cNvPr id="3" name="Content Placeholder 2"/>
-          <p:cNvSpPr>
-            <a:spLocks noGrp="1"/>
-          </p:cNvSpPr>
-          <p:nvPr>
-            <p:ph idx="1"/>
-          </p:nvPr>
-        </p:nvSpPr>
-        <p:spPr/>
-        <p:txBody>
-          <a:bodyPr/>
-          <a:lstStyle/>
-          <a:p>
-            <a:r>
-              <a:rPr lang="cs-CZ" dirty="0" smtClean="0"/>
-              <a:t>Hodnocení restaurace</a:t>
-            </a:r>
-          </a:p>
-          <a:p>
-            <a:pPr lvl="1"/>
-            <a:r>
-              <a:rPr lang="cs-CZ" dirty="0" smtClean="0"/>
-              <a:t>Zákazníci budou moci hodnotit různé aspekty podniku</a:t>
-            </a:r>
-          </a:p>
-          <a:p>
-            <a:pPr lvl="1"/>
-            <a:endParaRPr lang="cs-CZ" dirty="0"/>
-          </a:p>
-          <a:p>
-            <a:r>
-              <a:rPr lang="cs-CZ" dirty="0" smtClean="0"/>
-              <a:t>Přehled směn pro zaměstnance</a:t>
-            </a:r>
-          </a:p>
-          <a:p>
-            <a:endParaRPr lang="cs-CZ" dirty="0"/>
-          </a:p>
-          <a:p>
-            <a:r>
-              <a:rPr lang="cs-CZ" dirty="0" smtClean="0"/>
-              <a:t>Inventární systém – sklad, kuchyně</a:t>
-            </a:r>
-          </a:p>
-        </p:txBody>
-      </p:sp>
-    </p:spTree>
-    <p:extLst>
-      <p:ext uri="{BB962C8B-B14F-4D97-AF65-F5344CB8AC3E}">
-        <p14:creationId xmlns:p14="http://schemas.microsoft.com/office/powerpoint/2010/main" val="1632286648"/>
-      </p:ext>
-    </p:extLst>
-  </p:cSld>
-  <p:clrMapOvr>
-    <a:masterClrMapping/>
-  </p:clrMapOvr>
-</p:sld>
-</file>
-
-<file path=ppt/slides/slide9.xml><?xml version="1.0" encoding="utf-8"?>
-<p:sld xmlns:a="http://schemas.openxmlformats.org/drawingml/2006/main" xmlns:r="http://schemas.openxmlformats.org/officeDocument/2006/relationships" xmlns:p="http://schemas.openxmlformats.org/presentationml/2006/main">
-  <p:cSld>
-    <p:spTree>
-      <p:nvGrpSpPr>
-        <p:cNvPr id="1" name=""/>
-        <p:cNvGrpSpPr/>
-        <p:nvPr/>
-      </p:nvGrpSpPr>
-      <p:grpSpPr>
-        <a:xfrm>
-          <a:off x="0" y="0"/>
-          <a:ext cx="0" cy="0"/>
-          <a:chOff x="0" y="0"/>
-          <a:chExt cx="0" cy="0"/>
-        </a:xfrm>
-      </p:grpSpPr>
-      <p:sp>
-        <p:nvSpPr>
-          <p:cNvPr id="4" name="Title 3"/>
-          <p:cNvSpPr>
-            <a:spLocks noGrp="1"/>
-          </p:cNvSpPr>
-          <p:nvPr>
-            <p:ph type="title"/>
-          </p:nvPr>
-        </p:nvSpPr>
-        <p:spPr>
-          <a:xfrm>
-            <a:off x="683568" y="3284984"/>
-            <a:ext cx="7659687" cy="1168400"/>
-          </a:xfrm>
-        </p:spPr>
-        <p:txBody>
-          <a:bodyPr/>
-          <a:lstStyle/>
-          <a:p>
-            <a:r>
-              <a:rPr lang="cs-CZ" dirty="0" smtClean="0"/>
-              <a:t>Děkujeme za pozornost</a:t>
-            </a:r>
-            <a:endParaRPr lang="cs-CZ" dirty="0"/>
-          </a:p>
-        </p:txBody>
-      </p:sp>
-    </p:spTree>
-    <p:extLst>
-      <p:ext uri="{BB962C8B-B14F-4D97-AF65-F5344CB8AC3E}">
-        <p14:creationId xmlns:p14="http://schemas.microsoft.com/office/powerpoint/2010/main" val="1799890444"/>
       </p:ext>
     </p:extLst>
   </p:cSld>

--- a/K odevzdání/prezentace_raw.pptx
+++ b/K odevzdání/prezentace_raw.pptx
@@ -7,16 +7,17 @@
   <p:sldIdLst>
     <p:sldId id="256" r:id="rId2"/>
     <p:sldId id="257" r:id="rId3"/>
-    <p:sldId id="265" r:id="rId4"/>
-    <p:sldId id="266" r:id="rId5"/>
-    <p:sldId id="267" r:id="rId6"/>
-    <p:sldId id="260" r:id="rId7"/>
-    <p:sldId id="258" r:id="rId8"/>
-    <p:sldId id="259" r:id="rId9"/>
-    <p:sldId id="261" r:id="rId10"/>
-    <p:sldId id="262" r:id="rId11"/>
-    <p:sldId id="263" r:id="rId12"/>
-    <p:sldId id="264" r:id="rId13"/>
+    <p:sldId id="268" r:id="rId4"/>
+    <p:sldId id="260" r:id="rId5"/>
+    <p:sldId id="258" r:id="rId6"/>
+    <p:sldId id="259" r:id="rId7"/>
+    <p:sldId id="261" r:id="rId8"/>
+    <p:sldId id="262" r:id="rId9"/>
+    <p:sldId id="263" r:id="rId10"/>
+    <p:sldId id="265" r:id="rId11"/>
+    <p:sldId id="266" r:id="rId12"/>
+    <p:sldId id="270" r:id="rId13"/>
+    <p:sldId id="264" r:id="rId14"/>
   </p:sldIdLst>
   <p:sldSz cx="9144000" cy="6858000" type="screen4x3"/>
   <p:notesSz cx="6858000" cy="9144000"/>
@@ -312,7 +313,7 @@
           <a:p>
             <a:fld id="{4637D989-8E49-4FF8-A547-6566086D4233}" type="datetimeFigureOut">
               <a:rPr lang="cs-CZ" smtClean="0"/>
-              <a:t>15.12.2013</a:t>
+              <a:t>16.12.2013</a:t>
             </a:fld>
             <a:endParaRPr lang="cs-CZ"/>
           </a:p>
@@ -477,7 +478,7 @@
           <a:p>
             <a:fld id="{4637D989-8E49-4FF8-A547-6566086D4233}" type="datetimeFigureOut">
               <a:rPr lang="cs-CZ" smtClean="0"/>
-              <a:t>15.12.2013</a:t>
+              <a:t>16.12.2013</a:t>
             </a:fld>
             <a:endParaRPr lang="cs-CZ"/>
           </a:p>
@@ -652,7 +653,7 @@
           <a:p>
             <a:fld id="{4637D989-8E49-4FF8-A547-6566086D4233}" type="datetimeFigureOut">
               <a:rPr lang="cs-CZ" smtClean="0"/>
-              <a:t>15.12.2013</a:t>
+              <a:t>16.12.2013</a:t>
             </a:fld>
             <a:endParaRPr lang="cs-CZ"/>
           </a:p>
@@ -817,7 +818,7 @@
           <a:p>
             <a:fld id="{4637D989-8E49-4FF8-A547-6566086D4233}" type="datetimeFigureOut">
               <a:rPr lang="cs-CZ" smtClean="0"/>
-              <a:t>15.12.2013</a:t>
+              <a:t>16.12.2013</a:t>
             </a:fld>
             <a:endParaRPr lang="cs-CZ"/>
           </a:p>
@@ -1058,7 +1059,7 @@
           <a:p>
             <a:fld id="{4637D989-8E49-4FF8-A547-6566086D4233}" type="datetimeFigureOut">
               <a:rPr lang="cs-CZ" smtClean="0"/>
-              <a:t>15.12.2013</a:t>
+              <a:t>16.12.2013</a:t>
             </a:fld>
             <a:endParaRPr lang="cs-CZ"/>
           </a:p>
@@ -1341,7 +1342,7 @@
           <a:p>
             <a:fld id="{4637D989-8E49-4FF8-A547-6566086D4233}" type="datetimeFigureOut">
               <a:rPr lang="cs-CZ" smtClean="0"/>
-              <a:t>15.12.2013</a:t>
+              <a:t>16.12.2013</a:t>
             </a:fld>
             <a:endParaRPr lang="cs-CZ"/>
           </a:p>
@@ -1770,7 +1771,7 @@
           <a:p>
             <a:fld id="{4637D989-8E49-4FF8-A547-6566086D4233}" type="datetimeFigureOut">
               <a:rPr lang="cs-CZ" smtClean="0"/>
-              <a:t>15.12.2013</a:t>
+              <a:t>16.12.2013</a:t>
             </a:fld>
             <a:endParaRPr lang="cs-CZ"/>
           </a:p>
@@ -1883,7 +1884,7 @@
           <a:p>
             <a:fld id="{4637D989-8E49-4FF8-A547-6566086D4233}" type="datetimeFigureOut">
               <a:rPr lang="cs-CZ" smtClean="0"/>
-              <a:t>15.12.2013</a:t>
+              <a:t>16.12.2013</a:t>
             </a:fld>
             <a:endParaRPr lang="cs-CZ"/>
           </a:p>
@@ -1973,7 +1974,7 @@
           <a:p>
             <a:fld id="{4637D989-8E49-4FF8-A547-6566086D4233}" type="datetimeFigureOut">
               <a:rPr lang="cs-CZ" smtClean="0"/>
-              <a:t>15.12.2013</a:t>
+              <a:t>16.12.2013</a:t>
             </a:fld>
             <a:endParaRPr lang="cs-CZ"/>
           </a:p>
@@ -2162,7 +2163,7 @@
           <a:p>
             <a:fld id="{4637D989-8E49-4FF8-A547-6566086D4233}" type="datetimeFigureOut">
               <a:rPr lang="cs-CZ" smtClean="0"/>
-              <a:t>15.12.2013</a:t>
+              <a:t>16.12.2013</a:t>
             </a:fld>
             <a:endParaRPr lang="cs-CZ"/>
           </a:p>
@@ -2480,7 +2481,7 @@
           <a:p>
             <a:fld id="{4637D989-8E49-4FF8-A547-6566086D4233}" type="datetimeFigureOut">
               <a:rPr lang="cs-CZ" smtClean="0"/>
-              <a:t>15.12.2013</a:t>
+              <a:t>16.12.2013</a:t>
             </a:fld>
             <a:endParaRPr lang="cs-CZ"/>
           </a:p>
@@ -2859,7 +2860,7 @@
           <a:p>
             <a:fld id="{4637D989-8E49-4FF8-A547-6566086D4233}" type="datetimeFigureOut">
               <a:rPr lang="cs-CZ" smtClean="0"/>
-              <a:t>15.12.2013</a:t>
+              <a:t>16.12.2013</a:t>
             </a:fld>
             <a:endParaRPr lang="cs-CZ"/>
           </a:p>
@@ -3326,6 +3327,13 @@
   <p:clrMapOvr>
     <a:masterClrMapping/>
   </p:clrMapOvr>
+  <p:timing>
+    <p:tnLst>
+      <p:par>
+        <p:cTn id="1" dur="indefinite" restart="never" nodeType="tmRoot"/>
+      </p:par>
+    </p:tnLst>
+  </p:timing>
 </p:sld>
 </file>
 
@@ -3348,541 +3356,6 @@
       </p:grpSpPr>
       <p:sp>
         <p:nvSpPr>
-          <p:cNvPr id="3" name="Content Placeholder 2"/>
-          <p:cNvSpPr>
-            <a:spLocks noGrp="1"/>
-          </p:cNvSpPr>
-          <p:nvPr>
-            <p:ph idx="1"/>
-          </p:nvPr>
-        </p:nvSpPr>
-        <p:spPr/>
-        <p:txBody>
-          <a:bodyPr/>
-          <a:lstStyle/>
-          <a:p>
-            <a:r>
-              <a:rPr lang="cs-CZ" dirty="0" smtClean="0"/>
-              <a:t>Přehled dodavatelů zahrnující kontaktní a fakturační údaje</a:t>
-            </a:r>
-          </a:p>
-          <a:p>
-            <a:pPr lvl="1"/>
-            <a:r>
-              <a:rPr lang="cs-CZ" dirty="0" smtClean="0"/>
-              <a:t>Přidat dodavatele</a:t>
-            </a:r>
-          </a:p>
-          <a:p>
-            <a:pPr lvl="1"/>
-            <a:r>
-              <a:rPr lang="cs-CZ" dirty="0" smtClean="0"/>
-              <a:t>Odebrat dodavatele</a:t>
-            </a:r>
-          </a:p>
-          <a:p>
-            <a:pPr lvl="1"/>
-            <a:r>
-              <a:rPr lang="cs-CZ" dirty="0" smtClean="0"/>
-              <a:t>Upravit dodavatele</a:t>
-            </a:r>
-          </a:p>
-          <a:p>
-            <a:pPr lvl="1"/>
-            <a:r>
-              <a:rPr lang="cs-CZ" dirty="0" smtClean="0"/>
-              <a:t>Vyhledat dodavatele</a:t>
-            </a:r>
-            <a:endParaRPr lang="cs-CZ" dirty="0"/>
-          </a:p>
-        </p:txBody>
-      </p:sp>
-      <p:pic>
-        <p:nvPicPr>
-          <p:cNvPr id="4099" name="Picture 3" descr="C:\Users\Hanzik\Documents\RestauracePlus\Manuál\Uživatelský manuál\screenshots\Terminál\Editor dodavatelů.jpg"/>
-          <p:cNvPicPr>
-            <a:picLocks noChangeAspect="1" noChangeArrowheads="1"/>
-          </p:cNvPicPr>
-          <p:nvPr/>
-        </p:nvPicPr>
-        <p:blipFill>
-          <a:blip r:embed="rId2">
-            <a:extLst>
-              <a:ext uri="{28A0092B-C50C-407E-A947-70E740481C1C}">
-                <a14:useLocalDpi xmlns:a14="http://schemas.microsoft.com/office/drawing/2010/main" val="0"/>
-              </a:ext>
-            </a:extLst>
-          </a:blip>
-          <a:srcRect/>
-          <a:stretch>
-            <a:fillRect/>
-          </a:stretch>
-        </p:blipFill>
-        <p:spPr bwMode="auto">
-          <a:xfrm>
-            <a:off x="3744537" y="2636912"/>
-            <a:ext cx="3908167" cy="3399707"/>
-          </a:xfrm>
-          <a:prstGeom prst="rect">
-            <a:avLst/>
-          </a:prstGeom>
-          <a:noFill/>
-          <a:ln>
-            <a:solidFill>
-              <a:schemeClr val="tx1"/>
-            </a:solidFill>
-          </a:ln>
-          <a:extLst>
-            <a:ext uri="{909E8E84-426E-40DD-AFC4-6F175D3DCCD1}">
-              <a14:hiddenFill xmlns:a14="http://schemas.microsoft.com/office/drawing/2010/main">
-                <a:solidFill>
-                  <a:srgbClr val="FFFFFF"/>
-                </a:solidFill>
-              </a14:hiddenFill>
-            </a:ext>
-          </a:extLst>
-        </p:spPr>
-      </p:pic>
-      <p:sp>
-        <p:nvSpPr>
-          <p:cNvPr id="2" name="Title 1"/>
-          <p:cNvSpPr>
-            <a:spLocks noGrp="1"/>
-          </p:cNvSpPr>
-          <p:nvPr>
-            <p:ph type="title"/>
-          </p:nvPr>
-        </p:nvSpPr>
-        <p:spPr/>
-        <p:txBody>
-          <a:bodyPr/>
-          <a:lstStyle/>
-          <a:p>
-            <a:r>
-              <a:rPr lang="cs-CZ" sz="4200" dirty="0" smtClean="0"/>
-              <a:t>Správa dodavatelů</a:t>
-            </a:r>
-            <a:endParaRPr lang="cs-CZ" sz="4200" dirty="0"/>
-          </a:p>
-        </p:txBody>
-      </p:sp>
-      <p:pic>
-        <p:nvPicPr>
-          <p:cNvPr id="4098" name="Picture 2" descr="C:\Users\Hanzik\Documents\RestauracePlus\Manuál\Uživatelský manuál\screenshots\Terminál\Přidání dodavatele.jpg"/>
-          <p:cNvPicPr>
-            <a:picLocks noChangeAspect="1" noChangeArrowheads="1"/>
-          </p:cNvPicPr>
-          <p:nvPr/>
-        </p:nvPicPr>
-        <p:blipFill>
-          <a:blip r:embed="rId3">
-            <a:extLst>
-              <a:ext uri="{28A0092B-C50C-407E-A947-70E740481C1C}">
-                <a14:useLocalDpi xmlns:a14="http://schemas.microsoft.com/office/drawing/2010/main" val="0"/>
-              </a:ext>
-            </a:extLst>
-          </a:blip>
-          <a:srcRect/>
-          <a:stretch>
-            <a:fillRect/>
-          </a:stretch>
-        </p:blipFill>
-        <p:spPr bwMode="auto">
-          <a:xfrm>
-            <a:off x="4752649" y="3284983"/>
-            <a:ext cx="2286397" cy="2286397"/>
-          </a:xfrm>
-          <a:prstGeom prst="rect">
-            <a:avLst/>
-          </a:prstGeom>
-          <a:noFill/>
-          <a:extLst>
-            <a:ext uri="{909E8E84-426E-40DD-AFC4-6F175D3DCCD1}">
-              <a14:hiddenFill xmlns:a14="http://schemas.microsoft.com/office/drawing/2010/main">
-                <a:solidFill>
-                  <a:srgbClr val="FFFFFF"/>
-                </a:solidFill>
-              </a14:hiddenFill>
-            </a:ext>
-          </a:extLst>
-        </p:spPr>
-      </p:pic>
-      <p:sp>
-        <p:nvSpPr>
-          <p:cNvPr id="6" name="TextBox 5"/>
-          <p:cNvSpPr txBox="1"/>
-          <p:nvPr/>
-        </p:nvSpPr>
-        <p:spPr>
-          <a:xfrm>
-            <a:off x="3710182" y="6036619"/>
-            <a:ext cx="3456384" cy="338554"/>
-          </a:xfrm>
-          <a:prstGeom prst="rect">
-            <a:avLst/>
-          </a:prstGeom>
-          <a:noFill/>
-        </p:spPr>
-        <p:txBody>
-          <a:bodyPr wrap="square" rtlCol="0">
-            <a:spAutoFit/>
-          </a:bodyPr>
-          <a:lstStyle/>
-          <a:p>
-            <a:r>
-              <a:rPr lang="cs-CZ" sz="1600" i="1" dirty="0" smtClean="0"/>
-              <a:t>Vkládání nového dodavatele</a:t>
-            </a:r>
-            <a:endParaRPr lang="cs-CZ" sz="1600" i="1" dirty="0"/>
-          </a:p>
-        </p:txBody>
-      </p:sp>
-    </p:spTree>
-    <p:extLst>
-      <p:ext uri="{BB962C8B-B14F-4D97-AF65-F5344CB8AC3E}">
-        <p14:creationId xmlns:p14="http://schemas.microsoft.com/office/powerpoint/2010/main" val="1690137593"/>
-      </p:ext>
-    </p:extLst>
-  </p:cSld>
-  <p:clrMapOvr>
-    <a:masterClrMapping/>
-  </p:clrMapOvr>
-</p:sld>
-</file>
-
-<file path=ppt/slides/slide11.xml><?xml version="1.0" encoding="utf-8"?>
-<p:sld xmlns:a="http://schemas.openxmlformats.org/drawingml/2006/main" xmlns:r="http://schemas.openxmlformats.org/officeDocument/2006/relationships" xmlns:p="http://schemas.openxmlformats.org/presentationml/2006/main">
-  <p:cSld>
-    <p:spTree>
-      <p:nvGrpSpPr>
-        <p:cNvPr id="1" name=""/>
-        <p:cNvGrpSpPr/>
-        <p:nvPr/>
-      </p:nvGrpSpPr>
-      <p:grpSpPr>
-        <a:xfrm>
-          <a:off x="0" y="0"/>
-          <a:ext cx="0" cy="0"/>
-          <a:chOff x="0" y="0"/>
-          <a:chExt cx="0" cy="0"/>
-        </a:xfrm>
-      </p:grpSpPr>
-      <p:sp>
-        <p:nvSpPr>
-          <p:cNvPr id="2" name="Title 1"/>
-          <p:cNvSpPr>
-            <a:spLocks noGrp="1"/>
-          </p:cNvSpPr>
-          <p:nvPr>
-            <p:ph type="title"/>
-          </p:nvPr>
-        </p:nvSpPr>
-        <p:spPr/>
-        <p:txBody>
-          <a:bodyPr/>
-          <a:lstStyle/>
-          <a:p>
-            <a:r>
-              <a:rPr lang="cs-CZ" sz="4200" dirty="0" smtClean="0"/>
-              <a:t>Další funkce</a:t>
-            </a:r>
-            <a:endParaRPr lang="cs-CZ" sz="4200" dirty="0"/>
-          </a:p>
-        </p:txBody>
-      </p:sp>
-      <p:sp>
-        <p:nvSpPr>
-          <p:cNvPr id="3" name="Content Placeholder 2"/>
-          <p:cNvSpPr>
-            <a:spLocks noGrp="1"/>
-          </p:cNvSpPr>
-          <p:nvPr>
-            <p:ph idx="1"/>
-          </p:nvPr>
-        </p:nvSpPr>
-        <p:spPr/>
-        <p:txBody>
-          <a:bodyPr/>
-          <a:lstStyle/>
-          <a:p>
-            <a:r>
-              <a:rPr lang="cs-CZ" dirty="0" smtClean="0"/>
-              <a:t>Hodnocení restaurace</a:t>
-            </a:r>
-          </a:p>
-          <a:p>
-            <a:pPr lvl="1"/>
-            <a:r>
-              <a:rPr lang="cs-CZ" dirty="0" smtClean="0"/>
-              <a:t>Zákazníci budou moci hodnotit různé aspekty podniku</a:t>
-            </a:r>
-          </a:p>
-          <a:p>
-            <a:pPr lvl="1"/>
-            <a:endParaRPr lang="cs-CZ" dirty="0"/>
-          </a:p>
-          <a:p>
-            <a:r>
-              <a:rPr lang="cs-CZ" dirty="0" smtClean="0"/>
-              <a:t>Přehled směn pro zaměstnance</a:t>
-            </a:r>
-          </a:p>
-          <a:p>
-            <a:endParaRPr lang="cs-CZ" dirty="0"/>
-          </a:p>
-          <a:p>
-            <a:r>
-              <a:rPr lang="cs-CZ" dirty="0" smtClean="0"/>
-              <a:t>Inventární systém – sklad, kuchyně</a:t>
-            </a:r>
-          </a:p>
-        </p:txBody>
-      </p:sp>
-    </p:spTree>
-    <p:extLst>
-      <p:ext uri="{BB962C8B-B14F-4D97-AF65-F5344CB8AC3E}">
-        <p14:creationId xmlns:p14="http://schemas.microsoft.com/office/powerpoint/2010/main" val="1632286648"/>
-      </p:ext>
-    </p:extLst>
-  </p:cSld>
-  <p:clrMapOvr>
-    <a:masterClrMapping/>
-  </p:clrMapOvr>
-</p:sld>
-</file>
-
-<file path=ppt/slides/slide12.xml><?xml version="1.0" encoding="utf-8"?>
-<p:sld xmlns:a="http://schemas.openxmlformats.org/drawingml/2006/main" xmlns:r="http://schemas.openxmlformats.org/officeDocument/2006/relationships" xmlns:p="http://schemas.openxmlformats.org/presentationml/2006/main">
-  <p:cSld>
-    <p:spTree>
-      <p:nvGrpSpPr>
-        <p:cNvPr id="1" name=""/>
-        <p:cNvGrpSpPr/>
-        <p:nvPr/>
-      </p:nvGrpSpPr>
-      <p:grpSpPr>
-        <a:xfrm>
-          <a:off x="0" y="0"/>
-          <a:ext cx="0" cy="0"/>
-          <a:chOff x="0" y="0"/>
-          <a:chExt cx="0" cy="0"/>
-        </a:xfrm>
-      </p:grpSpPr>
-      <p:sp>
-        <p:nvSpPr>
-          <p:cNvPr id="3" name="Title 1"/>
-          <p:cNvSpPr txBox="1">
-            <a:spLocks/>
-          </p:cNvSpPr>
-          <p:nvPr/>
-        </p:nvSpPr>
-        <p:spPr>
-          <a:xfrm>
-            <a:off x="467544" y="2636912"/>
-            <a:ext cx="7620000" cy="1143000"/>
-          </a:xfrm>
-          <a:prstGeom prst="rect">
-            <a:avLst/>
-          </a:prstGeom>
-        </p:spPr>
-        <p:txBody>
-          <a:bodyPr vert="horz" lIns="91440" tIns="45720" rIns="91440" bIns="45720" rtlCol="0" anchor="t">
-            <a:noAutofit/>
-          </a:bodyPr>
-          <a:lstStyle>
-            <a:lvl1pPr algn="l" defTabSz="914400" rtl="0" eaLnBrk="1" latinLnBrk="0" hangingPunct="1">
-              <a:spcBef>
-                <a:spcPct val="0"/>
-              </a:spcBef>
-              <a:buNone/>
-              <a:defRPr sz="3600" b="0" kern="1200" cap="all" spc="-100" baseline="0">
-                <a:ln>
-                  <a:noFill/>
-                </a:ln>
-                <a:solidFill>
-                  <a:schemeClr val="tx2"/>
-                </a:solidFill>
-                <a:effectLst/>
-                <a:latin typeface="+mj-lt"/>
-                <a:ea typeface="+mj-ea"/>
-                <a:cs typeface="+mj-cs"/>
-              </a:defRPr>
-            </a:lvl1pPr>
-          </a:lstStyle>
-          <a:p>
-            <a:r>
-              <a:rPr lang="cs-CZ" dirty="0"/>
-              <a:t>Děkujeme za pozornost</a:t>
-            </a:r>
-          </a:p>
-        </p:txBody>
-      </p:sp>
-    </p:spTree>
-    <p:extLst>
-      <p:ext uri="{BB962C8B-B14F-4D97-AF65-F5344CB8AC3E}">
-        <p14:creationId xmlns:p14="http://schemas.microsoft.com/office/powerpoint/2010/main" val="1799890444"/>
-      </p:ext>
-    </p:extLst>
-  </p:cSld>
-  <p:clrMapOvr>
-    <a:masterClrMapping/>
-  </p:clrMapOvr>
-</p:sld>
-</file>
-
-<file path=ppt/slides/slide2.xml><?xml version="1.0" encoding="utf-8"?>
-<p:sld xmlns:a="http://schemas.openxmlformats.org/drawingml/2006/main" xmlns:r="http://schemas.openxmlformats.org/officeDocument/2006/relationships" xmlns:p="http://schemas.openxmlformats.org/presentationml/2006/main">
-  <p:cSld>
-    <p:spTree>
-      <p:nvGrpSpPr>
-        <p:cNvPr id="1" name=""/>
-        <p:cNvGrpSpPr/>
-        <p:nvPr/>
-      </p:nvGrpSpPr>
-      <p:grpSpPr>
-        <a:xfrm>
-          <a:off x="0" y="0"/>
-          <a:ext cx="0" cy="0"/>
-          <a:chOff x="0" y="0"/>
-          <a:chExt cx="0" cy="0"/>
-        </a:xfrm>
-      </p:grpSpPr>
-      <p:sp>
-        <p:nvSpPr>
-          <p:cNvPr id="2" name="Title 1"/>
-          <p:cNvSpPr>
-            <a:spLocks noGrp="1"/>
-          </p:cNvSpPr>
-          <p:nvPr>
-            <p:ph type="title"/>
-          </p:nvPr>
-        </p:nvSpPr>
-        <p:spPr>
-          <a:xfrm>
-            <a:off x="755576" y="274638"/>
-            <a:ext cx="7321624" cy="1143000"/>
-          </a:xfrm>
-        </p:spPr>
-        <p:txBody>
-          <a:bodyPr/>
-          <a:lstStyle/>
-          <a:p>
-            <a:r>
-              <a:rPr lang="cs-CZ" sz="4200" dirty="0" smtClean="0"/>
-              <a:t>Zadání</a:t>
-            </a:r>
-            <a:endParaRPr lang="cs-CZ" sz="4200" dirty="0"/>
-          </a:p>
-        </p:txBody>
-      </p:sp>
-      <p:sp>
-        <p:nvSpPr>
-          <p:cNvPr id="3" name="Content Placeholder 2"/>
-          <p:cNvSpPr>
-            <a:spLocks noGrp="1"/>
-          </p:cNvSpPr>
-          <p:nvPr>
-            <p:ph idx="1"/>
-          </p:nvPr>
-        </p:nvSpPr>
-        <p:spPr>
-          <a:xfrm>
-            <a:off x="683568" y="1772816"/>
-            <a:ext cx="7272808" cy="4464496"/>
-          </a:xfrm>
-        </p:spPr>
-        <p:txBody>
-          <a:bodyPr/>
-          <a:lstStyle/>
-          <a:p>
-            <a:r>
-              <a:rPr lang="cs-CZ" dirty="0" smtClean="0"/>
-              <a:t>Interní systém pro správu restaurace</a:t>
-            </a:r>
-          </a:p>
-          <a:p>
-            <a:pPr lvl="1"/>
-            <a:r>
-              <a:rPr lang="cs-CZ" dirty="0" smtClean="0"/>
-              <a:t>Objednávky a správa plateb</a:t>
-            </a:r>
-          </a:p>
-          <a:p>
-            <a:pPr lvl="1"/>
-            <a:r>
-              <a:rPr lang="cs-CZ" dirty="0" smtClean="0"/>
-              <a:t>Rezervace</a:t>
-            </a:r>
-          </a:p>
-          <a:p>
-            <a:pPr lvl="1"/>
-            <a:r>
-              <a:rPr lang="cs-CZ" dirty="0" smtClean="0"/>
-              <a:t>Dodavatelé</a:t>
-            </a:r>
-          </a:p>
-          <a:p>
-            <a:pPr lvl="1"/>
-            <a:r>
-              <a:rPr lang="cs-CZ" dirty="0" smtClean="0"/>
-              <a:t>Inventář</a:t>
-            </a:r>
-          </a:p>
-          <a:p>
-            <a:pPr lvl="1"/>
-            <a:r>
-              <a:rPr lang="cs-CZ" dirty="0" smtClean="0"/>
-              <a:t>Jídelní lístek</a:t>
-            </a:r>
-          </a:p>
-          <a:p>
-            <a:pPr lvl="1"/>
-            <a:r>
-              <a:rPr lang="cs-CZ" dirty="0" smtClean="0"/>
-              <a:t>Systém směn</a:t>
-            </a:r>
-          </a:p>
-          <a:p>
-            <a:pPr lvl="1"/>
-            <a:r>
-              <a:rPr lang="cs-CZ" dirty="0" smtClean="0"/>
-              <a:t>Hodnocení restaurace</a:t>
-            </a:r>
-          </a:p>
-        </p:txBody>
-      </p:sp>
-    </p:spTree>
-    <p:extLst>
-      <p:ext uri="{BB962C8B-B14F-4D97-AF65-F5344CB8AC3E}">
-        <p14:creationId xmlns:p14="http://schemas.microsoft.com/office/powerpoint/2010/main" val="2536639418"/>
-      </p:ext>
-    </p:extLst>
-  </p:cSld>
-  <p:clrMapOvr>
-    <a:masterClrMapping/>
-  </p:clrMapOvr>
-</p:sld>
-</file>
-
-<file path=ppt/slides/slide3.xml><?xml version="1.0" encoding="utf-8"?>
-<p:sld xmlns:a="http://schemas.openxmlformats.org/drawingml/2006/main" xmlns:r="http://schemas.openxmlformats.org/officeDocument/2006/relationships" xmlns:p="http://schemas.openxmlformats.org/presentationml/2006/main">
-  <p:cSld>
-    <p:spTree>
-      <p:nvGrpSpPr>
-        <p:cNvPr id="1" name=""/>
-        <p:cNvGrpSpPr/>
-        <p:nvPr/>
-      </p:nvGrpSpPr>
-      <p:grpSpPr>
-        <a:xfrm>
-          <a:off x="0" y="0"/>
-          <a:ext cx="0" cy="0"/>
-          <a:chOff x="0" y="0"/>
-          <a:chExt cx="0" cy="0"/>
-        </a:xfrm>
-      </p:grpSpPr>
-      <p:sp>
-        <p:nvSpPr>
           <p:cNvPr id="2" name="Title 1"/>
           <p:cNvSpPr>
             <a:spLocks noGrp="1"/>
@@ -3939,6 +3412,12 @@
             </a:r>
           </a:p>
           <a:p>
+            <a:pPr marL="411480" lvl="1" indent="0">
+              <a:buNone/>
+            </a:pPr>
+            <a:endParaRPr lang="cs-CZ" dirty="0" smtClean="0"/>
+          </a:p>
+          <a:p>
             <a:r>
               <a:rPr lang="cs-CZ" dirty="0" smtClean="0"/>
               <a:t>Terminály</a:t>
@@ -3948,8 +3427,18 @@
             <a:pPr lvl="1"/>
             <a:r>
               <a:rPr lang="cs-CZ" dirty="0" smtClean="0"/>
-              <a:t>Pracovní zařízení pro zaměstnance</a:t>
-            </a:r>
+              <a:t>Pracovní zařízení pro </a:t>
+            </a:r>
+            <a:r>
+              <a:rPr lang="cs-CZ" dirty="0" smtClean="0"/>
+              <a:t>zaměstnance</a:t>
+            </a:r>
+          </a:p>
+          <a:p>
+            <a:pPr marL="411480" lvl="1" indent="0">
+              <a:buNone/>
+            </a:pPr>
+            <a:endParaRPr lang="cs-CZ" dirty="0" smtClean="0"/>
           </a:p>
           <a:p>
             <a:r>
@@ -3974,10 +3463,17 @@
   <p:clrMapOvr>
     <a:masterClrMapping/>
   </p:clrMapOvr>
+  <p:timing>
+    <p:tnLst>
+      <p:par>
+        <p:cTn id="1" dur="indefinite" restart="never" nodeType="tmRoot"/>
+      </p:par>
+    </p:tnLst>
+  </p:timing>
 </p:sld>
 </file>
 
-<file path=ppt/slides/slide4.xml><?xml version="1.0" encoding="utf-8"?>
+<file path=ppt/slides/slide11.xml><?xml version="1.0" encoding="utf-8"?>
 <p:sld xmlns:a="http://schemas.openxmlformats.org/drawingml/2006/main" xmlns:r="http://schemas.openxmlformats.org/officeDocument/2006/relationships" xmlns:p="http://schemas.openxmlformats.org/presentationml/2006/main">
   <p:cSld>
     <p:spTree>
@@ -4098,10 +3594,17 @@
   <p:clrMapOvr>
     <a:masterClrMapping/>
   </p:clrMapOvr>
+  <p:timing>
+    <p:tnLst>
+      <p:par>
+        <p:cTn id="1" dur="indefinite" restart="never" nodeType="tmRoot"/>
+      </p:par>
+    </p:tnLst>
+  </p:timing>
 </p:sld>
 </file>
 
-<file path=ppt/slides/slide5.xml><?xml version="1.0" encoding="utf-8"?>
+<file path=ppt/slides/slide12.xml><?xml version="1.0" encoding="utf-8"?>
 <p:sld xmlns:a="http://schemas.openxmlformats.org/drawingml/2006/main" xmlns:r="http://schemas.openxmlformats.org/officeDocument/2006/relationships" xmlns:p="http://schemas.openxmlformats.org/presentationml/2006/main">
   <p:cSld>
     <p:spTree>
@@ -4120,27 +3623,49 @@
       </p:grpSpPr>
       <p:sp>
         <p:nvSpPr>
-          <p:cNvPr id="2" name="Title 1"/>
-          <p:cNvSpPr>
-            <a:spLocks noGrp="1"/>
-          </p:cNvSpPr>
-          <p:nvPr>
-            <p:ph type="title"/>
-          </p:nvPr>
+          <p:cNvPr id="3" name="Title 1"/>
+          <p:cNvSpPr txBox="1">
+            <a:spLocks/>
+          </p:cNvSpPr>
+          <p:nvPr/>
         </p:nvSpPr>
         <p:spPr>
           <a:xfrm>
             <a:off x="467544" y="2636912"/>
             <a:ext cx="7620000" cy="1143000"/>
           </a:xfrm>
+          <a:prstGeom prst="rect">
+            <a:avLst/>
+          </a:prstGeom>
         </p:spPr>
         <p:txBody>
-          <a:bodyPr/>
-          <a:lstStyle/>
+          <a:bodyPr vert="horz" lIns="91440" tIns="45720" rIns="91440" bIns="45720" rtlCol="0" anchor="t">
+            <a:noAutofit/>
+          </a:bodyPr>
+          <a:lstStyle>
+            <a:lvl1pPr algn="l" defTabSz="914400" rtl="0" eaLnBrk="1" latinLnBrk="0" hangingPunct="1">
+              <a:spcBef>
+                <a:spcPct val="0"/>
+              </a:spcBef>
+              <a:buNone/>
+              <a:defRPr sz="3600" b="0" kern="1200" cap="all" spc="-100" baseline="0">
+                <a:ln>
+                  <a:noFill/>
+                </a:ln>
+                <a:solidFill>
+                  <a:schemeClr val="tx2"/>
+                </a:solidFill>
+                <a:effectLst/>
+                <a:latin typeface="+mj-lt"/>
+                <a:ea typeface="+mj-ea"/>
+                <a:cs typeface="+mj-cs"/>
+              </a:defRPr>
+            </a:lvl1pPr>
+          </a:lstStyle>
           <a:p>
             <a:r>
               <a:rPr lang="cs-CZ" dirty="0" smtClean="0"/>
-              <a:t>Implementace</a:t>
+              <a:t>Dotazy?</a:t>
             </a:r>
             <a:endParaRPr lang="cs-CZ" dirty="0"/>
           </a:p>
@@ -4149,7 +3674,7 @@
     </p:spTree>
     <p:extLst>
       <p:ext uri="{BB962C8B-B14F-4D97-AF65-F5344CB8AC3E}">
-        <p14:creationId xmlns:p14="http://schemas.microsoft.com/office/powerpoint/2010/main" val="3304282694"/>
+        <p14:creationId xmlns:p14="http://schemas.microsoft.com/office/powerpoint/2010/main" val="85432675"/>
       </p:ext>
     </p:extLst>
   </p:cSld>
@@ -4159,7 +3684,7 @@
 </p:sld>
 </file>
 
-<file path=ppt/slides/slide6.xml><?xml version="1.0" encoding="utf-8"?>
+<file path=ppt/slides/slide13.xml><?xml version="1.0" encoding="utf-8"?>
 <p:sld xmlns:a="http://schemas.openxmlformats.org/drawingml/2006/main" xmlns:r="http://schemas.openxmlformats.org/officeDocument/2006/relationships" xmlns:p="http://schemas.openxmlformats.org/presentationml/2006/main">
   <p:cSld>
     <p:spTree>
@@ -4178,6 +3703,342 @@
       </p:grpSpPr>
       <p:sp>
         <p:nvSpPr>
+          <p:cNvPr id="3" name="Title 1"/>
+          <p:cNvSpPr txBox="1">
+            <a:spLocks/>
+          </p:cNvSpPr>
+          <p:nvPr/>
+        </p:nvSpPr>
+        <p:spPr>
+          <a:xfrm>
+            <a:off x="467544" y="2636912"/>
+            <a:ext cx="7620000" cy="1143000"/>
+          </a:xfrm>
+          <a:prstGeom prst="rect">
+            <a:avLst/>
+          </a:prstGeom>
+        </p:spPr>
+        <p:txBody>
+          <a:bodyPr vert="horz" lIns="91440" tIns="45720" rIns="91440" bIns="45720" rtlCol="0" anchor="t">
+            <a:noAutofit/>
+          </a:bodyPr>
+          <a:lstStyle>
+            <a:lvl1pPr algn="l" defTabSz="914400" rtl="0" eaLnBrk="1" latinLnBrk="0" hangingPunct="1">
+              <a:spcBef>
+                <a:spcPct val="0"/>
+              </a:spcBef>
+              <a:buNone/>
+              <a:defRPr sz="3600" b="0" kern="1200" cap="all" spc="-100" baseline="0">
+                <a:ln>
+                  <a:noFill/>
+                </a:ln>
+                <a:solidFill>
+                  <a:schemeClr val="tx2"/>
+                </a:solidFill>
+                <a:effectLst/>
+                <a:latin typeface="+mj-lt"/>
+                <a:ea typeface="+mj-ea"/>
+                <a:cs typeface="+mj-cs"/>
+              </a:defRPr>
+            </a:lvl1pPr>
+          </a:lstStyle>
+          <a:p>
+            <a:r>
+              <a:rPr lang="cs-CZ" dirty="0"/>
+              <a:t>Děkujeme za pozornost</a:t>
+            </a:r>
+          </a:p>
+        </p:txBody>
+      </p:sp>
+    </p:spTree>
+    <p:extLst>
+      <p:ext uri="{BB962C8B-B14F-4D97-AF65-F5344CB8AC3E}">
+        <p14:creationId xmlns:p14="http://schemas.microsoft.com/office/powerpoint/2010/main" val="1799890444"/>
+      </p:ext>
+    </p:extLst>
+  </p:cSld>
+  <p:clrMapOvr>
+    <a:masterClrMapping/>
+  </p:clrMapOvr>
+</p:sld>
+</file>
+
+<file path=ppt/slides/slide2.xml><?xml version="1.0" encoding="utf-8"?>
+<p:sld xmlns:a="http://schemas.openxmlformats.org/drawingml/2006/main" xmlns:r="http://schemas.openxmlformats.org/officeDocument/2006/relationships" xmlns:p="http://schemas.openxmlformats.org/presentationml/2006/main">
+  <p:cSld>
+    <p:spTree>
+      <p:nvGrpSpPr>
+        <p:cNvPr id="1" name=""/>
+        <p:cNvGrpSpPr/>
+        <p:nvPr/>
+      </p:nvGrpSpPr>
+      <p:grpSpPr>
+        <a:xfrm>
+          <a:off x="0" y="0"/>
+          <a:ext cx="0" cy="0"/>
+          <a:chOff x="0" y="0"/>
+          <a:chExt cx="0" cy="0"/>
+        </a:xfrm>
+      </p:grpSpPr>
+      <p:sp>
+        <p:nvSpPr>
+          <p:cNvPr id="2" name="Title 1"/>
+          <p:cNvSpPr>
+            <a:spLocks noGrp="1"/>
+          </p:cNvSpPr>
+          <p:nvPr>
+            <p:ph type="title"/>
+          </p:nvPr>
+        </p:nvSpPr>
+        <p:spPr>
+          <a:xfrm>
+            <a:off x="755576" y="274638"/>
+            <a:ext cx="7321624" cy="1143000"/>
+          </a:xfrm>
+        </p:spPr>
+        <p:txBody>
+          <a:bodyPr/>
+          <a:lstStyle/>
+          <a:p>
+            <a:r>
+              <a:rPr lang="cs-CZ" sz="4200" dirty="0" smtClean="0"/>
+              <a:t>Zadání</a:t>
+            </a:r>
+            <a:endParaRPr lang="cs-CZ" sz="4200" dirty="0"/>
+          </a:p>
+        </p:txBody>
+      </p:sp>
+      <p:sp>
+        <p:nvSpPr>
+          <p:cNvPr id="3" name="Content Placeholder 2"/>
+          <p:cNvSpPr>
+            <a:spLocks noGrp="1"/>
+          </p:cNvSpPr>
+          <p:nvPr>
+            <p:ph idx="1"/>
+          </p:nvPr>
+        </p:nvSpPr>
+        <p:spPr>
+          <a:xfrm>
+            <a:off x="683568" y="1772816"/>
+            <a:ext cx="7272808" cy="4464496"/>
+          </a:xfrm>
+        </p:spPr>
+        <p:txBody>
+          <a:bodyPr/>
+          <a:lstStyle/>
+          <a:p>
+            <a:r>
+              <a:rPr lang="cs-CZ" dirty="0" smtClean="0"/>
+              <a:t>Interní systém pro správu restaurace</a:t>
+            </a:r>
+          </a:p>
+          <a:p>
+            <a:pPr lvl="1"/>
+            <a:r>
+              <a:rPr lang="cs-CZ" dirty="0" smtClean="0"/>
+              <a:t>Objednávky a správa plateb</a:t>
+            </a:r>
+          </a:p>
+          <a:p>
+            <a:pPr lvl="1"/>
+            <a:r>
+              <a:rPr lang="cs-CZ" dirty="0" smtClean="0"/>
+              <a:t>Rezervace</a:t>
+            </a:r>
+          </a:p>
+          <a:p>
+            <a:pPr lvl="1"/>
+            <a:r>
+              <a:rPr lang="cs-CZ" dirty="0" smtClean="0"/>
+              <a:t>Dodavatelé</a:t>
+            </a:r>
+          </a:p>
+          <a:p>
+            <a:pPr lvl="1"/>
+            <a:r>
+              <a:rPr lang="cs-CZ" dirty="0" smtClean="0"/>
+              <a:t>Inventář</a:t>
+            </a:r>
+          </a:p>
+          <a:p>
+            <a:pPr lvl="1"/>
+            <a:r>
+              <a:rPr lang="cs-CZ" dirty="0" smtClean="0"/>
+              <a:t>Jídelní lístek</a:t>
+            </a:r>
+          </a:p>
+          <a:p>
+            <a:pPr lvl="1"/>
+            <a:r>
+              <a:rPr lang="cs-CZ" dirty="0" smtClean="0"/>
+              <a:t>Systém směn</a:t>
+            </a:r>
+          </a:p>
+          <a:p>
+            <a:pPr lvl="1"/>
+            <a:r>
+              <a:rPr lang="cs-CZ" dirty="0" smtClean="0"/>
+              <a:t>Hodnocení </a:t>
+            </a:r>
+            <a:r>
+              <a:rPr lang="cs-CZ" dirty="0" smtClean="0"/>
+              <a:t>restaurace</a:t>
+            </a:r>
+          </a:p>
+        </p:txBody>
+      </p:sp>
+    </p:spTree>
+    <p:extLst>
+      <p:ext uri="{BB962C8B-B14F-4D97-AF65-F5344CB8AC3E}">
+        <p14:creationId xmlns:p14="http://schemas.microsoft.com/office/powerpoint/2010/main" val="2536639418"/>
+      </p:ext>
+    </p:extLst>
+  </p:cSld>
+  <p:clrMapOvr>
+    <a:masterClrMapping/>
+  </p:clrMapOvr>
+  <p:timing>
+    <p:tnLst>
+      <p:par>
+        <p:cTn id="1" dur="indefinite" restart="never" nodeType="tmRoot"/>
+      </p:par>
+    </p:tnLst>
+  </p:timing>
+</p:sld>
+</file>
+
+<file path=ppt/slides/slide3.xml><?xml version="1.0" encoding="utf-8"?>
+<p:sld xmlns:a="http://schemas.openxmlformats.org/drawingml/2006/main" xmlns:r="http://schemas.openxmlformats.org/officeDocument/2006/relationships" xmlns:p="http://schemas.openxmlformats.org/presentationml/2006/main">
+  <p:cSld>
+    <p:spTree>
+      <p:nvGrpSpPr>
+        <p:cNvPr id="1" name=""/>
+        <p:cNvGrpSpPr/>
+        <p:nvPr/>
+      </p:nvGrpSpPr>
+      <p:grpSpPr>
+        <a:xfrm>
+          <a:off x="0" y="0"/>
+          <a:ext cx="0" cy="0"/>
+          <a:chOff x="0" y="0"/>
+          <a:chExt cx="0" cy="0"/>
+        </a:xfrm>
+      </p:grpSpPr>
+      <p:sp>
+        <p:nvSpPr>
+          <p:cNvPr id="2" name="Title 1"/>
+          <p:cNvSpPr>
+            <a:spLocks noGrp="1"/>
+          </p:cNvSpPr>
+          <p:nvPr>
+            <p:ph type="title"/>
+          </p:nvPr>
+        </p:nvSpPr>
+        <p:spPr/>
+        <p:txBody>
+          <a:bodyPr/>
+          <a:lstStyle/>
+          <a:p>
+            <a:r>
+              <a:rPr lang="cs-CZ" sz="4200" dirty="0" smtClean="0"/>
+              <a:t>Implementace</a:t>
+            </a:r>
+            <a:endParaRPr lang="cs-CZ" sz="4200" dirty="0"/>
+          </a:p>
+        </p:txBody>
+      </p:sp>
+      <p:sp>
+        <p:nvSpPr>
+          <p:cNvPr id="3" name="Content Placeholder 2"/>
+          <p:cNvSpPr>
+            <a:spLocks noGrp="1"/>
+          </p:cNvSpPr>
+          <p:nvPr>
+            <p:ph idx="1"/>
+          </p:nvPr>
+        </p:nvSpPr>
+        <p:spPr/>
+        <p:txBody>
+          <a:bodyPr/>
+          <a:lstStyle/>
+          <a:p>
+            <a:r>
+              <a:rPr lang="cs-CZ" dirty="0" smtClean="0"/>
+              <a:t>Java</a:t>
+            </a:r>
+          </a:p>
+          <a:p>
+            <a:pPr marL="114300" indent="0">
+              <a:buNone/>
+            </a:pPr>
+            <a:endParaRPr lang="cs-CZ" dirty="0" smtClean="0"/>
+          </a:p>
+          <a:p>
+            <a:r>
+              <a:rPr lang="cs-CZ" dirty="0" smtClean="0"/>
+              <a:t>Desktop aplikace</a:t>
+            </a:r>
+          </a:p>
+          <a:p>
+            <a:endParaRPr lang="cs-CZ" dirty="0" smtClean="0"/>
+          </a:p>
+          <a:p>
+            <a:r>
+              <a:rPr lang="cs-CZ" dirty="0" smtClean="0"/>
+              <a:t>Ohled na pracovní podmínky restaurací</a:t>
+            </a:r>
+          </a:p>
+          <a:p>
+            <a:pPr lvl="1"/>
+            <a:r>
+              <a:rPr lang="cs-CZ" dirty="0" smtClean="0"/>
+              <a:t>Jednoduché ovládání</a:t>
+            </a:r>
+            <a:endParaRPr lang="cs-CZ" dirty="0"/>
+          </a:p>
+          <a:p>
+            <a:pPr lvl="1"/>
+            <a:r>
+              <a:rPr lang="cs-CZ" dirty="0" smtClean="0"/>
+              <a:t>Přihlédnutí k možnosti použití dotykového ovládání</a:t>
+            </a:r>
+            <a:endParaRPr lang="cs-CZ" dirty="0"/>
+          </a:p>
+        </p:txBody>
+      </p:sp>
+    </p:spTree>
+    <p:extLst>
+      <p:ext uri="{BB962C8B-B14F-4D97-AF65-F5344CB8AC3E}">
+        <p14:creationId xmlns:p14="http://schemas.microsoft.com/office/powerpoint/2010/main" val="3707223143"/>
+      </p:ext>
+    </p:extLst>
+  </p:cSld>
+  <p:clrMapOvr>
+    <a:masterClrMapping/>
+  </p:clrMapOvr>
+</p:sld>
+</file>
+
+<file path=ppt/slides/slide4.xml><?xml version="1.0" encoding="utf-8"?>
+<p:sld xmlns:a="http://schemas.openxmlformats.org/drawingml/2006/main" xmlns:r="http://schemas.openxmlformats.org/officeDocument/2006/relationships" xmlns:p="http://schemas.openxmlformats.org/presentationml/2006/main">
+  <p:cSld>
+    <p:spTree>
+      <p:nvGrpSpPr>
+        <p:cNvPr id="1" name=""/>
+        <p:cNvGrpSpPr/>
+        <p:nvPr/>
+      </p:nvGrpSpPr>
+      <p:grpSpPr>
+        <a:xfrm>
+          <a:off x="0" y="0"/>
+          <a:ext cx="0" cy="0"/>
+          <a:chOff x="0" y="0"/>
+          <a:chExt cx="0" cy="0"/>
+        </a:xfrm>
+      </p:grpSpPr>
+      <p:sp>
+        <p:nvSpPr>
           <p:cNvPr id="2" name="Title 1"/>
           <p:cNvSpPr>
             <a:spLocks noGrp="1"/>
@@ -4255,7 +4116,7 @@
 </p:sld>
 </file>
 
-<file path=ppt/slides/slide7.xml><?xml version="1.0" encoding="utf-8"?>
+<file path=ppt/slides/slide5.xml><?xml version="1.0" encoding="utf-8"?>
 <p:sld xmlns:a="http://schemas.openxmlformats.org/drawingml/2006/main" xmlns:r="http://schemas.openxmlformats.org/officeDocument/2006/relationships" xmlns:p="http://schemas.openxmlformats.org/presentationml/2006/main">
   <p:cSld>
     <p:spTree>
@@ -4654,7 +4515,7 @@
 </p:sld>
 </file>
 
-<file path=ppt/slides/slide8.xml><?xml version="1.0" encoding="utf-8"?>
+<file path=ppt/slides/slide6.xml><?xml version="1.0" encoding="utf-8"?>
 <p:sld xmlns:a="http://schemas.openxmlformats.org/drawingml/2006/main" xmlns:r="http://schemas.openxmlformats.org/officeDocument/2006/relationships" xmlns:p="http://schemas.openxmlformats.org/presentationml/2006/main">
   <p:cSld>
     <p:spTree>
@@ -4873,7 +4734,7 @@
 </p:sld>
 </file>
 
-<file path=ppt/slides/slide9.xml><?xml version="1.0" encoding="utf-8"?>
+<file path=ppt/slides/slide7.xml><?xml version="1.0" encoding="utf-8"?>
 <p:sld xmlns:a="http://schemas.openxmlformats.org/drawingml/2006/main" xmlns:r="http://schemas.openxmlformats.org/officeDocument/2006/relationships" xmlns:p="http://schemas.openxmlformats.org/presentationml/2006/main">
   <p:cSld>
     <p:spTree>
@@ -5087,6 +4948,328 @@
     <p:extLst>
       <p:ext uri="{BB962C8B-B14F-4D97-AF65-F5344CB8AC3E}">
         <p14:creationId xmlns:p14="http://schemas.microsoft.com/office/powerpoint/2010/main" val="3235794996"/>
+      </p:ext>
+    </p:extLst>
+  </p:cSld>
+  <p:clrMapOvr>
+    <a:masterClrMapping/>
+  </p:clrMapOvr>
+</p:sld>
+</file>
+
+<file path=ppt/slides/slide8.xml><?xml version="1.0" encoding="utf-8"?>
+<p:sld xmlns:a="http://schemas.openxmlformats.org/drawingml/2006/main" xmlns:r="http://schemas.openxmlformats.org/officeDocument/2006/relationships" xmlns:p="http://schemas.openxmlformats.org/presentationml/2006/main">
+  <p:cSld>
+    <p:spTree>
+      <p:nvGrpSpPr>
+        <p:cNvPr id="1" name=""/>
+        <p:cNvGrpSpPr/>
+        <p:nvPr/>
+      </p:nvGrpSpPr>
+      <p:grpSpPr>
+        <a:xfrm>
+          <a:off x="0" y="0"/>
+          <a:ext cx="0" cy="0"/>
+          <a:chOff x="0" y="0"/>
+          <a:chExt cx="0" cy="0"/>
+        </a:xfrm>
+      </p:grpSpPr>
+      <p:sp>
+        <p:nvSpPr>
+          <p:cNvPr id="3" name="Content Placeholder 2"/>
+          <p:cNvSpPr>
+            <a:spLocks noGrp="1"/>
+          </p:cNvSpPr>
+          <p:nvPr>
+            <p:ph idx="1"/>
+          </p:nvPr>
+        </p:nvSpPr>
+        <p:spPr/>
+        <p:txBody>
+          <a:bodyPr/>
+          <a:lstStyle/>
+          <a:p>
+            <a:r>
+              <a:rPr lang="cs-CZ" dirty="0" smtClean="0"/>
+              <a:t>Přehled dodavatelů zahrnující kontaktní a fakturační údaje</a:t>
+            </a:r>
+          </a:p>
+          <a:p>
+            <a:pPr lvl="1"/>
+            <a:r>
+              <a:rPr lang="cs-CZ" dirty="0" smtClean="0"/>
+              <a:t>Přidat dodavatele</a:t>
+            </a:r>
+          </a:p>
+          <a:p>
+            <a:pPr lvl="1"/>
+            <a:r>
+              <a:rPr lang="cs-CZ" dirty="0" smtClean="0"/>
+              <a:t>Odebrat dodavatele</a:t>
+            </a:r>
+          </a:p>
+          <a:p>
+            <a:pPr lvl="1"/>
+            <a:r>
+              <a:rPr lang="cs-CZ" dirty="0" smtClean="0"/>
+              <a:t>Upravit dodavatele</a:t>
+            </a:r>
+          </a:p>
+          <a:p>
+            <a:pPr lvl="1"/>
+            <a:r>
+              <a:rPr lang="cs-CZ" dirty="0" smtClean="0"/>
+              <a:t>Vyhledat dodavatele</a:t>
+            </a:r>
+            <a:endParaRPr lang="cs-CZ" dirty="0"/>
+          </a:p>
+        </p:txBody>
+      </p:sp>
+      <p:pic>
+        <p:nvPicPr>
+          <p:cNvPr id="4099" name="Picture 3" descr="C:\Users\Hanzik\Documents\RestauracePlus\Manuál\Uživatelský manuál\screenshots\Terminál\Editor dodavatelů.jpg"/>
+          <p:cNvPicPr>
+            <a:picLocks noChangeAspect="1" noChangeArrowheads="1"/>
+          </p:cNvPicPr>
+          <p:nvPr/>
+        </p:nvPicPr>
+        <p:blipFill>
+          <a:blip r:embed="rId2">
+            <a:extLst>
+              <a:ext uri="{28A0092B-C50C-407E-A947-70E740481C1C}">
+                <a14:useLocalDpi xmlns:a14="http://schemas.microsoft.com/office/drawing/2010/main" val="0"/>
+              </a:ext>
+            </a:extLst>
+          </a:blip>
+          <a:srcRect/>
+          <a:stretch>
+            <a:fillRect/>
+          </a:stretch>
+        </p:blipFill>
+        <p:spPr bwMode="auto">
+          <a:xfrm>
+            <a:off x="3744537" y="2636912"/>
+            <a:ext cx="3908167" cy="3399707"/>
+          </a:xfrm>
+          <a:prstGeom prst="rect">
+            <a:avLst/>
+          </a:prstGeom>
+          <a:noFill/>
+          <a:ln>
+            <a:solidFill>
+              <a:schemeClr val="tx1"/>
+            </a:solidFill>
+          </a:ln>
+          <a:extLst>
+            <a:ext uri="{909E8E84-426E-40DD-AFC4-6F175D3DCCD1}">
+              <a14:hiddenFill xmlns:a14="http://schemas.microsoft.com/office/drawing/2010/main">
+                <a:solidFill>
+                  <a:srgbClr val="FFFFFF"/>
+                </a:solidFill>
+              </a14:hiddenFill>
+            </a:ext>
+          </a:extLst>
+        </p:spPr>
+      </p:pic>
+      <p:sp>
+        <p:nvSpPr>
+          <p:cNvPr id="2" name="Title 1"/>
+          <p:cNvSpPr>
+            <a:spLocks noGrp="1"/>
+          </p:cNvSpPr>
+          <p:nvPr>
+            <p:ph type="title"/>
+          </p:nvPr>
+        </p:nvSpPr>
+        <p:spPr/>
+        <p:txBody>
+          <a:bodyPr/>
+          <a:lstStyle/>
+          <a:p>
+            <a:r>
+              <a:rPr lang="cs-CZ" sz="4200" dirty="0" smtClean="0"/>
+              <a:t>Správa dodavatelů</a:t>
+            </a:r>
+            <a:endParaRPr lang="cs-CZ" sz="4200" dirty="0"/>
+          </a:p>
+        </p:txBody>
+      </p:sp>
+      <p:pic>
+        <p:nvPicPr>
+          <p:cNvPr id="4098" name="Picture 2" descr="C:\Users\Hanzik\Documents\RestauracePlus\Manuál\Uživatelský manuál\screenshots\Terminál\Přidání dodavatele.jpg"/>
+          <p:cNvPicPr>
+            <a:picLocks noChangeAspect="1" noChangeArrowheads="1"/>
+          </p:cNvPicPr>
+          <p:nvPr/>
+        </p:nvPicPr>
+        <p:blipFill>
+          <a:blip r:embed="rId3">
+            <a:extLst>
+              <a:ext uri="{28A0092B-C50C-407E-A947-70E740481C1C}">
+                <a14:useLocalDpi xmlns:a14="http://schemas.microsoft.com/office/drawing/2010/main" val="0"/>
+              </a:ext>
+            </a:extLst>
+          </a:blip>
+          <a:srcRect/>
+          <a:stretch>
+            <a:fillRect/>
+          </a:stretch>
+        </p:blipFill>
+        <p:spPr bwMode="auto">
+          <a:xfrm>
+            <a:off x="4752649" y="3284983"/>
+            <a:ext cx="2286397" cy="2286397"/>
+          </a:xfrm>
+          <a:prstGeom prst="rect">
+            <a:avLst/>
+          </a:prstGeom>
+          <a:noFill/>
+          <a:extLst>
+            <a:ext uri="{909E8E84-426E-40DD-AFC4-6F175D3DCCD1}">
+              <a14:hiddenFill xmlns:a14="http://schemas.microsoft.com/office/drawing/2010/main">
+                <a:solidFill>
+                  <a:srgbClr val="FFFFFF"/>
+                </a:solidFill>
+              </a14:hiddenFill>
+            </a:ext>
+          </a:extLst>
+        </p:spPr>
+      </p:pic>
+      <p:sp>
+        <p:nvSpPr>
+          <p:cNvPr id="6" name="TextBox 5"/>
+          <p:cNvSpPr txBox="1"/>
+          <p:nvPr/>
+        </p:nvSpPr>
+        <p:spPr>
+          <a:xfrm>
+            <a:off x="3710182" y="6036619"/>
+            <a:ext cx="3456384" cy="338554"/>
+          </a:xfrm>
+          <a:prstGeom prst="rect">
+            <a:avLst/>
+          </a:prstGeom>
+          <a:noFill/>
+        </p:spPr>
+        <p:txBody>
+          <a:bodyPr wrap="square" rtlCol="0">
+            <a:spAutoFit/>
+          </a:bodyPr>
+          <a:lstStyle/>
+          <a:p>
+            <a:r>
+              <a:rPr lang="cs-CZ" sz="1600" i="1" dirty="0" smtClean="0"/>
+              <a:t>Vkládání nového dodavatele</a:t>
+            </a:r>
+            <a:endParaRPr lang="cs-CZ" sz="1600" i="1" dirty="0"/>
+          </a:p>
+        </p:txBody>
+      </p:sp>
+    </p:spTree>
+    <p:extLst>
+      <p:ext uri="{BB962C8B-B14F-4D97-AF65-F5344CB8AC3E}">
+        <p14:creationId xmlns:p14="http://schemas.microsoft.com/office/powerpoint/2010/main" val="1690137593"/>
+      </p:ext>
+    </p:extLst>
+  </p:cSld>
+  <p:clrMapOvr>
+    <a:masterClrMapping/>
+  </p:clrMapOvr>
+</p:sld>
+</file>
+
+<file path=ppt/slides/slide9.xml><?xml version="1.0" encoding="utf-8"?>
+<p:sld xmlns:a="http://schemas.openxmlformats.org/drawingml/2006/main" xmlns:r="http://schemas.openxmlformats.org/officeDocument/2006/relationships" xmlns:p="http://schemas.openxmlformats.org/presentationml/2006/main">
+  <p:cSld>
+    <p:spTree>
+      <p:nvGrpSpPr>
+        <p:cNvPr id="1" name=""/>
+        <p:cNvGrpSpPr/>
+        <p:nvPr/>
+      </p:nvGrpSpPr>
+      <p:grpSpPr>
+        <a:xfrm>
+          <a:off x="0" y="0"/>
+          <a:ext cx="0" cy="0"/>
+          <a:chOff x="0" y="0"/>
+          <a:chExt cx="0" cy="0"/>
+        </a:xfrm>
+      </p:grpSpPr>
+      <p:sp>
+        <p:nvSpPr>
+          <p:cNvPr id="2" name="Title 1"/>
+          <p:cNvSpPr>
+            <a:spLocks noGrp="1"/>
+          </p:cNvSpPr>
+          <p:nvPr>
+            <p:ph type="title"/>
+          </p:nvPr>
+        </p:nvSpPr>
+        <p:spPr/>
+        <p:txBody>
+          <a:bodyPr/>
+          <a:lstStyle/>
+          <a:p>
+            <a:r>
+              <a:rPr lang="cs-CZ" sz="4200" dirty="0" smtClean="0"/>
+              <a:t>Další funkce</a:t>
+            </a:r>
+            <a:endParaRPr lang="cs-CZ" sz="4200" dirty="0"/>
+          </a:p>
+        </p:txBody>
+      </p:sp>
+      <p:sp>
+        <p:nvSpPr>
+          <p:cNvPr id="3" name="Content Placeholder 2"/>
+          <p:cNvSpPr>
+            <a:spLocks noGrp="1"/>
+          </p:cNvSpPr>
+          <p:nvPr>
+            <p:ph idx="1"/>
+          </p:nvPr>
+        </p:nvSpPr>
+        <p:spPr/>
+        <p:txBody>
+          <a:bodyPr/>
+          <a:lstStyle/>
+          <a:p>
+            <a:r>
+              <a:rPr lang="cs-CZ" dirty="0" smtClean="0"/>
+              <a:t>Hodnocení restaurace</a:t>
+            </a:r>
+          </a:p>
+          <a:p>
+            <a:pPr lvl="1"/>
+            <a:r>
+              <a:rPr lang="cs-CZ" dirty="0" smtClean="0"/>
+              <a:t>Zákazníci budou moci hodnotit různé aspekty podniku</a:t>
+            </a:r>
+          </a:p>
+          <a:p>
+            <a:pPr lvl="1"/>
+            <a:endParaRPr lang="cs-CZ" dirty="0"/>
+          </a:p>
+          <a:p>
+            <a:r>
+              <a:rPr lang="cs-CZ" dirty="0" smtClean="0"/>
+              <a:t>Přehled směn pro zaměstnance</a:t>
+            </a:r>
+          </a:p>
+          <a:p>
+            <a:endParaRPr lang="cs-CZ" dirty="0"/>
+          </a:p>
+          <a:p>
+            <a:r>
+              <a:rPr lang="cs-CZ" dirty="0" smtClean="0"/>
+              <a:t>Inventární systém – sklad, kuchyně</a:t>
+            </a:r>
+          </a:p>
+        </p:txBody>
+      </p:sp>
+    </p:spTree>
+    <p:extLst>
+      <p:ext uri="{BB962C8B-B14F-4D97-AF65-F5344CB8AC3E}">
+        <p14:creationId xmlns:p14="http://schemas.microsoft.com/office/powerpoint/2010/main" val="1632286648"/>
       </p:ext>
     </p:extLst>
   </p:cSld>
